--- a/Prezentaciya_Dzhalavian.pptx
+++ b/Prezentaciya_Dzhalavian.pptx
@@ -300,7 +300,7 @@
       </p15:sldGuideLst>
     </p:ext>
     <p:ext uri="http://customooxmlschemas.google.com/">
-      <go:slidesCustomData xmlns:go="http://customooxmlschemas.google.com/" xmlns:ahyp="http://schemas.microsoft.com/office/drawing/2018/hyperlinkcolor" xmlns:p15="http://schemas.microsoft.com/office/powerpoint/2012/main" xmlns:p14="http://schemas.microsoft.com/office/powerpoint/2010/main" xmlns:com="http://schemas.openxmlformats.org/drawingml/2006/compatibility" xmlns:pvml="urn:schemas-microsoft-com:office:powerpoint" xmlns:v="urn:schemas-microsoft-com:vml" xmlns:o="urn:schemas-microsoft-com:office:office" xmlns:dgm="http://schemas.openxmlformats.org/drawingml/2006/diagram" xmlns:c="http://schemas.openxmlformats.org/drawingml/2006/chart" xmlns:mv="urn:schemas-microsoft-com:mac:vml" xmlns:mc="http://schemas.openxmlformats.org/markup-compatibility/2006" xmlns="" r:id="rId29" roundtripDataSignature="AMtx7mjr2+tUJhv1NimVj0VJmoyCRDTV6w=="/>
+      <go:slidesCustomData xmlns="" xmlns:mc="http://schemas.openxmlformats.org/markup-compatibility/2006" xmlns:mv="urn:schemas-microsoft-com:mac:vml" xmlns:c="http://schemas.openxmlformats.org/drawingml/2006/chart" xmlns:dgm="http://schemas.openxmlformats.org/drawingml/2006/diagram" xmlns:o="urn:schemas-microsoft-com:office:office" xmlns:v="urn:schemas-microsoft-com:vml" xmlns:pvml="urn:schemas-microsoft-com:office:powerpoint" xmlns:com="http://schemas.openxmlformats.org/drawingml/2006/compatibility" xmlns:p14="http://schemas.microsoft.com/office/powerpoint/2010/main" xmlns:p15="http://schemas.microsoft.com/office/powerpoint/2012/main" xmlns:ahyp="http://schemas.microsoft.com/office/drawing/2018/hyperlinkcolor" xmlns:go="http://customooxmlschemas.google.com/" r:id="rId29" roundtripDataSignature="AMtx7mjr2+tUJhv1NimVj0VJmoyCRDTV6w=="/>
     </p:ext>
   </p:extLst>
 </p:presentation>
@@ -1066,7 +1066,7 @@
           <a:bodyPr/>
           <a:lstStyle/>
           <a:p>
-            <a:endParaRPr lang="ru-AU" dirty="0"/>
+            <a:endParaRPr lang="x-none" dirty="0"/>
           </a:p>
         </p:txBody>
       </p:sp>
@@ -1132,7 +1132,7 @@
           <a:bodyPr/>
           <a:lstStyle/>
           <a:p>
-            <a:endParaRPr lang="ru-AU" dirty="0"/>
+            <a:endParaRPr lang="x-none" dirty="0"/>
           </a:p>
         </p:txBody>
       </p:sp>
@@ -1198,7 +1198,7 @@
           <a:bodyPr/>
           <a:lstStyle/>
           <a:p>
-            <a:endParaRPr lang="ru-AU" dirty="0"/>
+            <a:endParaRPr lang="x-none" dirty="0"/>
           </a:p>
         </p:txBody>
       </p:sp>
@@ -27474,7 +27474,7 @@
         <p:fade/>
       </p:transition>
     </mc:Choice>
-    <mc:Fallback xmlns:ahyp="http://schemas.microsoft.com/office/drawing/2018/hyperlinkcolor" xmlns:p15="http://schemas.microsoft.com/office/powerpoint/2012/main" xmlns:com="http://schemas.openxmlformats.org/drawingml/2006/compatibility" xmlns:pvml="urn:schemas-microsoft-com:office:powerpoint" xmlns:v="urn:schemas-microsoft-com:vml" xmlns:o="urn:schemas-microsoft-com:office:office" xmlns:dgm="http://schemas.openxmlformats.org/drawingml/2006/diagram" xmlns:c="http://schemas.openxmlformats.org/drawingml/2006/chart" xmlns:mv="urn:schemas-microsoft-com:mac:vml" xmlns="">
+    <mc:Fallback xmlns="" xmlns:mv="urn:schemas-microsoft-com:mac:vml" xmlns:c="http://schemas.openxmlformats.org/drawingml/2006/chart" xmlns:dgm="http://schemas.openxmlformats.org/drawingml/2006/diagram" xmlns:o="urn:schemas-microsoft-com:office:office" xmlns:v="urn:schemas-microsoft-com:vml" xmlns:pvml="urn:schemas-microsoft-com:office:powerpoint" xmlns:com="http://schemas.openxmlformats.org/drawingml/2006/compatibility" xmlns:p15="http://schemas.microsoft.com/office/powerpoint/2012/main" xmlns:ahyp="http://schemas.microsoft.com/office/drawing/2018/hyperlinkcolor">
       <p:transition spd="slow">
         <p:fade/>
       </p:transition>
@@ -27505,7 +27505,7 @@
           <p:cNvPr id="2" name="Заголовок 1">
             <a:extLst>
               <a:ext uri="{FF2B5EF4-FFF2-40B4-BE49-F238E27FC236}">
-                <a16:creationId xmlns:a16="http://schemas.microsoft.com/office/drawing/2014/main" id="{707DD5B1-D19A-33AF-2E10-7FA0F0C5FC44}"/>
+                <a16:creationId xmlns:a16="http://schemas.microsoft.com/office/drawing/2014/main" xmlns="" id="{707DD5B1-D19A-33AF-2E10-7FA0F0C5FC44}"/>
               </a:ext>
             </a:extLst>
           </p:cNvPr>
@@ -27529,7 +27529,7 @@
           <a:lstStyle/>
           <a:p>
             <a:r>
-              <a:rPr lang="ru-AU" dirty="0"/>
+              <a:rPr lang="x-none" dirty="0"/>
               <a:t>Примеры музеев</a:t>
             </a:r>
           </a:p>
@@ -27540,7 +27540,7 @@
           <p:cNvPr id="3" name="Подзаголовок 2">
             <a:extLst>
               <a:ext uri="{FF2B5EF4-FFF2-40B4-BE49-F238E27FC236}">
-                <a16:creationId xmlns:a16="http://schemas.microsoft.com/office/drawing/2014/main" id="{C3BE690A-7091-7DEF-ECF2-C5EE08AF8BD4}"/>
+                <a16:creationId xmlns:a16="http://schemas.microsoft.com/office/drawing/2014/main" xmlns="" id="{C3BE690A-7091-7DEF-ECF2-C5EE08AF8BD4}"/>
               </a:ext>
             </a:extLst>
           </p:cNvPr>
@@ -27569,7 +27569,7 @@
               <a:buAutoNum type="arabicPeriod"/>
             </a:pPr>
             <a:r>
-              <a:rPr lang="ru-AU" dirty="0"/>
+              <a:rPr lang="x-none" dirty="0"/>
               <a:t>Музей Московского кремля</a:t>
             </a:r>
           </a:p>
@@ -27582,7 +27582,7 @@
               <a:buAutoNum type="arabicPeriod"/>
             </a:pPr>
             <a:r>
-              <a:rPr lang="ru-AU" dirty="0"/>
+              <a:rPr lang="x-none" dirty="0"/>
               <a:t>Виртуальный тур Лувра</a:t>
             </a:r>
           </a:p>
@@ -27595,7 +27595,7 @@
               <a:buAutoNum type="arabicPeriod"/>
             </a:pPr>
             <a:r>
-              <a:rPr lang="ru-AU" dirty="0"/>
+              <a:rPr lang="x-none" dirty="0"/>
               <a:t>Эрмитаж</a:t>
             </a:r>
           </a:p>
@@ -27616,7 +27616,7 @@
               </a:rPr>
               <a:t>музей Соломона Гуггенхайма</a:t>
             </a:r>
-            <a:endParaRPr lang="ru-AU" sz="1800" dirty="0">
+            <a:endParaRPr lang="x-none" sz="1800" dirty="0">
               <a:latin typeface="times new roman cyr"/>
               <a:ea typeface="Times New Roman" panose="02020603050405020304" pitchFamily="18" charset="0"/>
               <a:cs typeface="times new roman cyr"/>
@@ -27639,14 +27639,14 @@
               </a:rPr>
               <a:t>Британский музей</a:t>
             </a:r>
-            <a:endParaRPr lang="ru-AU" sz="1800" dirty="0">
+            <a:endParaRPr lang="x-none" sz="1800" dirty="0">
               <a:latin typeface="times new roman cyr"/>
               <a:ea typeface="Times New Roman" panose="02020603050405020304" pitchFamily="18" charset="0"/>
               <a:cs typeface="times new roman cyr"/>
             </a:endParaRPr>
           </a:p>
           <a:p>
-            <a:endParaRPr lang="ru-AU" dirty="0"/>
+            <a:endParaRPr lang="x-none" dirty="0"/>
           </a:p>
         </p:txBody>
       </p:sp>
@@ -27655,7 +27655,7 @@
           <p:cNvPr id="4" name="Рамка 3">
             <a:extLst>
               <a:ext uri="{FF2B5EF4-FFF2-40B4-BE49-F238E27FC236}">
-                <a16:creationId xmlns:a16="http://schemas.microsoft.com/office/drawing/2014/main" id="{D6BF825F-538A-902B-9287-90CA6FC5CC45}"/>
+                <a16:creationId xmlns:a16="http://schemas.microsoft.com/office/drawing/2014/main" xmlns="" id="{D6BF825F-538A-902B-9287-90CA6FC5CC45}"/>
               </a:ext>
             </a:extLst>
           </p:cNvPr>
@@ -27702,7 +27702,7 @@
           <a:lstStyle/>
           <a:p>
             <a:pPr algn="ctr"/>
-            <a:endParaRPr lang="ru-AU">
+            <a:endParaRPr lang="x-none">
               <a:solidFill>
                 <a:schemeClr val="tx1"/>
               </a:solidFill>
@@ -27745,7 +27745,7 @@
           <p:cNvPr id="2" name="Заголовок 1">
             <a:extLst>
               <a:ext uri="{FF2B5EF4-FFF2-40B4-BE49-F238E27FC236}">
-                <a16:creationId xmlns:a16="http://schemas.microsoft.com/office/drawing/2014/main" id="{E47F22B7-AC0A-CA86-8459-B869672DBA4F}"/>
+                <a16:creationId xmlns:a16="http://schemas.microsoft.com/office/drawing/2014/main" xmlns="" id="{E47F22B7-AC0A-CA86-8459-B869672DBA4F}"/>
               </a:ext>
             </a:extLst>
           </p:cNvPr>
@@ -27769,7 +27769,7 @@
           <a:lstStyle/>
           <a:p>
             <a:r>
-              <a:rPr lang="ru-AU" sz="4400" dirty="0"/>
+              <a:rPr lang="x-none" sz="4400" dirty="0"/>
               <a:t>Разработка проектного решения</a:t>
             </a:r>
           </a:p>
@@ -27780,7 +27780,7 @@
           <p:cNvPr id="6" name="Подзаголовок 5">
             <a:extLst>
               <a:ext uri="{FF2B5EF4-FFF2-40B4-BE49-F238E27FC236}">
-                <a16:creationId xmlns:a16="http://schemas.microsoft.com/office/drawing/2014/main" id="{D420D174-765F-D3E5-6AE4-DA948FEBD70B}"/>
+                <a16:creationId xmlns:a16="http://schemas.microsoft.com/office/drawing/2014/main" xmlns="" id="{D420D174-765F-D3E5-6AE4-DA948FEBD70B}"/>
               </a:ext>
             </a:extLst>
           </p:cNvPr>
@@ -27817,7 +27817,7 @@
               </a:rPr>
               <a:t>Анализ </a:t>
             </a:r>
-            <a:endParaRPr lang="ru-AU" sz="1800" dirty="0">
+            <a:endParaRPr lang="x-none" sz="1800" dirty="0">
               <a:effectLst/>
               <a:latin typeface="times new roman cyr"/>
               <a:ea typeface="Times New Roman" panose="02020603050405020304" pitchFamily="18" charset="0"/>
@@ -27841,7 +27841,7 @@
               </a:rPr>
               <a:t>Проектирование</a:t>
             </a:r>
-            <a:endParaRPr lang="ru-AU" sz="1800" dirty="0">
+            <a:endParaRPr lang="x-none" sz="1800" dirty="0">
               <a:effectLst/>
               <a:latin typeface="times new roman cyr"/>
               <a:ea typeface="Times New Roman" panose="02020603050405020304" pitchFamily="18" charset="0"/>
@@ -27865,7 +27865,7 @@
               </a:rPr>
               <a:t>Реализация</a:t>
             </a:r>
-            <a:endParaRPr lang="ru-AU" sz="1800" dirty="0">
+            <a:endParaRPr lang="x-none" sz="1800" dirty="0">
               <a:effectLst/>
               <a:latin typeface="times new roman cyr"/>
               <a:ea typeface="Times New Roman" panose="02020603050405020304" pitchFamily="18" charset="0"/>
@@ -27889,7 +27889,7 @@
               </a:rPr>
               <a:t>Тестирование</a:t>
             </a:r>
-            <a:endParaRPr lang="ru-AU" sz="1800" dirty="0">
+            <a:endParaRPr lang="x-none" sz="1800" dirty="0">
               <a:effectLst/>
               <a:latin typeface="times new roman cyr"/>
               <a:ea typeface="Times New Roman" panose="02020603050405020304" pitchFamily="18" charset="0"/>
@@ -27897,7 +27897,7 @@
             </a:endParaRPr>
           </a:p>
           <a:p>
-            <a:endParaRPr lang="ru-AU" dirty="0"/>
+            <a:endParaRPr lang="x-none" dirty="0"/>
           </a:p>
         </p:txBody>
       </p:sp>
@@ -27936,7 +27936,7 @@
           <p:cNvPr id="2" name="Заголовок 1">
             <a:extLst>
               <a:ext uri="{FF2B5EF4-FFF2-40B4-BE49-F238E27FC236}">
-                <a16:creationId xmlns:a16="http://schemas.microsoft.com/office/drawing/2014/main" id="{A3959BC2-6784-E7CD-3F1A-5FEBD81535A4}"/>
+                <a16:creationId xmlns:a16="http://schemas.microsoft.com/office/drawing/2014/main" xmlns="" id="{A3959BC2-6784-E7CD-3F1A-5FEBD81535A4}"/>
               </a:ext>
             </a:extLst>
           </p:cNvPr>
@@ -27986,7 +27986,7 @@
               </a:rPr>
               <a:t> - моделирования</a:t>
             </a:r>
-            <a:endParaRPr lang="ru-AU" sz="2900" dirty="0"/>
+            <a:endParaRPr lang="x-none" sz="2900" dirty="0"/>
           </a:p>
         </p:txBody>
       </p:sp>
@@ -27995,7 +27995,7 @@
           <p:cNvPr id="3" name="Подзаголовок 2">
             <a:extLst>
               <a:ext uri="{FF2B5EF4-FFF2-40B4-BE49-F238E27FC236}">
-                <a16:creationId xmlns:a16="http://schemas.microsoft.com/office/drawing/2014/main" id="{2A97219B-593B-73DC-1232-01E7D8DA70D7}"/>
+                <a16:creationId xmlns:a16="http://schemas.microsoft.com/office/drawing/2014/main" xmlns="" id="{2A97219B-593B-73DC-1232-01E7D8DA70D7}"/>
               </a:ext>
             </a:extLst>
           </p:cNvPr>
@@ -28083,7 +28083,7 @@
               <a:t> – моделирования</a:t>
             </a:r>
             <a:r>
-              <a:rPr lang="ru-AU" dirty="0">
+              <a:rPr lang="x-none" dirty="0">
                 <a:effectLst/>
                 <a:latin typeface="times new roman cyr"/>
                 <a:ea typeface="Times New Roman" panose="02020603050405020304" pitchFamily="18" charset="0"/>
@@ -28110,13 +28110,13 @@
               <a:t>Blender</a:t>
             </a:r>
             <a:r>
-              <a:rPr lang="ru-AU" dirty="0">
+              <a:rPr lang="x-none" dirty="0">
                 <a:effectLst/>
               </a:rPr>
               <a:t> </a:t>
             </a:r>
             <a:r>
-              <a:rPr lang="ru-AU" dirty="0">
+              <a:rPr lang="x-none" dirty="0">
                 <a:latin typeface="times new roman cyr"/>
               </a:rPr>
               <a:t>- </a:t>
@@ -28131,7 +28131,7 @@
               <a:t>Является лучшим бесплатным редактором. Легкий для использования, благодаря простому интерфейсу, и знанию горячих клавиш.</a:t>
             </a:r>
             <a:r>
-              <a:rPr lang="ru-AU" dirty="0">
+              <a:rPr lang="x-none" dirty="0">
                 <a:latin typeface="times new roman cyr"/>
                 <a:ea typeface="Times New Roman" panose="02020603050405020304" pitchFamily="18" charset="0"/>
                 <a:cs typeface="times new roman cyr"/>
@@ -28172,7 +28172,7 @@
               </a:rPr>
               <a:t> программное обеспечение, максимально раскрывающее возможности фотограмметрии. Включает в себя технологии машинного обучения для анализа и постобработки, что позволяет получать результаты самой высокой точности.</a:t>
             </a:r>
-            <a:endParaRPr lang="ru-AU" dirty="0">
+            <a:endParaRPr lang="x-none" dirty="0">
               <a:effectLst/>
               <a:latin typeface="times new roman cyr"/>
               <a:ea typeface="Times New Roman" panose="02020603050405020304" pitchFamily="18" charset="0"/>
@@ -28216,7 +28216,7 @@
           <p:cNvPr id="2" name="Заголовок 1">
             <a:extLst>
               <a:ext uri="{FF2B5EF4-FFF2-40B4-BE49-F238E27FC236}">
-                <a16:creationId xmlns:a16="http://schemas.microsoft.com/office/drawing/2014/main" id="{152A7203-5BC4-FF15-C8AD-D94EB0A70B90}"/>
+                <a16:creationId xmlns:a16="http://schemas.microsoft.com/office/drawing/2014/main" xmlns="" id="{152A7203-5BC4-FF15-C8AD-D94EB0A70B90}"/>
               </a:ext>
             </a:extLst>
           </p:cNvPr>
@@ -28240,7 +28240,7 @@
           <a:lstStyle/>
           <a:p>
             <a:r>
-              <a:rPr lang="ru-AU" dirty="0"/>
+              <a:rPr lang="x-none" dirty="0"/>
               <a:t>Практическая часть</a:t>
             </a:r>
           </a:p>
@@ -28251,7 +28251,7 @@
           <p:cNvPr id="3" name="Подзаголовок 2">
             <a:extLst>
               <a:ext uri="{FF2B5EF4-FFF2-40B4-BE49-F238E27FC236}">
-                <a16:creationId xmlns:a16="http://schemas.microsoft.com/office/drawing/2014/main" id="{8973A0EA-AFE4-A591-1756-4F29BD94AB19}"/>
+                <a16:creationId xmlns:a16="http://schemas.microsoft.com/office/drawing/2014/main" xmlns="" id="{8973A0EA-AFE4-A591-1756-4F29BD94AB19}"/>
               </a:ext>
             </a:extLst>
           </p:cNvPr>
@@ -28304,7 +28304,7 @@
               </a:rPr>
               <a:t> моделирования.</a:t>
             </a:r>
-            <a:endParaRPr lang="ru-AU" sz="1800" dirty="0">
+            <a:endParaRPr lang="x-none" sz="1800" dirty="0">
               <a:effectLst/>
               <a:latin typeface="times new roman cyr"/>
               <a:ea typeface="Times New Roman" panose="02020603050405020304" pitchFamily="18" charset="0"/>
@@ -28326,7 +28326,7 @@
               </a:rPr>
               <a:t>Модель помещений музея максимально приближена к реальному музею, исключая не обязательные для моделирования технические и служебные помещения.</a:t>
             </a:r>
-            <a:endParaRPr lang="ru-AU" sz="1800" dirty="0">
+            <a:endParaRPr lang="x-none" sz="1800" dirty="0">
               <a:effectLst/>
               <a:latin typeface="times new roman cyr"/>
               <a:ea typeface="Times New Roman" panose="02020603050405020304" pitchFamily="18" charset="0"/>
@@ -28334,7 +28334,7 @@
             </a:endParaRPr>
           </a:p>
           <a:p>
-            <a:endParaRPr lang="ru-AU" dirty="0"/>
+            <a:endParaRPr lang="x-none" dirty="0"/>
           </a:p>
         </p:txBody>
       </p:sp>
@@ -28373,7 +28373,7 @@
           <p:cNvPr id="2" name="Заголовок 1">
             <a:extLst>
               <a:ext uri="{FF2B5EF4-FFF2-40B4-BE49-F238E27FC236}">
-                <a16:creationId xmlns:a16="http://schemas.microsoft.com/office/drawing/2014/main" id="{E47F22B7-AC0A-CA86-8459-B869672DBA4F}"/>
+                <a16:creationId xmlns:a16="http://schemas.microsoft.com/office/drawing/2014/main" xmlns="" id="{E47F22B7-AC0A-CA86-8459-B869672DBA4F}"/>
               </a:ext>
             </a:extLst>
           </p:cNvPr>
@@ -28397,7 +28397,7 @@
           <a:lstStyle/>
           <a:p>
             <a:r>
-              <a:rPr lang="ru-AU" sz="4400" dirty="0"/>
+              <a:rPr lang="x-none" sz="4400" dirty="0"/>
               <a:t>Создание 3</a:t>
             </a:r>
             <a:r>
@@ -28408,7 +28408,48 @@
               <a:rPr lang="ru-RU" sz="4400" dirty="0"/>
               <a:t>модели</a:t>
             </a:r>
-            <a:endParaRPr lang="ru-AU" sz="4400" dirty="0"/>
+            <a:endParaRPr lang="x-none" sz="4400" dirty="0"/>
+          </a:p>
+        </p:txBody>
+      </p:sp>
+      <p:sp>
+        <p:nvSpPr>
+          <p:cNvPr id="6" name="Подзаголовок 5">
+            <a:extLst>
+              <a:ext uri="{FF2B5EF4-FFF2-40B4-BE49-F238E27FC236}">
+                <a16:creationId xmlns:a16="http://schemas.microsoft.com/office/drawing/2014/main" xmlns="" id="{D420D174-765F-D3E5-6AE4-DA948FEBD70B}"/>
+              </a:ext>
+            </a:extLst>
+          </p:cNvPr>
+          <p:cNvSpPr>
+            <a:spLocks noGrp="1"/>
+          </p:cNvSpPr>
+          <p:nvPr>
+            <p:ph type="subTitle" idx="1"/>
+          </p:nvPr>
+        </p:nvSpPr>
+        <p:spPr>
+          <a:xfrm>
+            <a:off x="1759237" y="2054712"/>
+            <a:ext cx="8673427" cy="3174142"/>
+          </a:xfrm>
+        </p:spPr>
+        <p:txBody>
+          <a:bodyPr/>
+          <a:lstStyle/>
+          <a:p>
+            <a:r>
+              <a:rPr lang="x-none" dirty="0"/>
+              <a:t>3</a:t>
+            </a:r>
+            <a:r>
+              <a:rPr lang="en-US" dirty="0"/>
+              <a:t>D </a:t>
+            </a:r>
+            <a:r>
+              <a:rPr lang="x-none" dirty="0"/>
+              <a:t>Модели - </a:t>
+            </a:r>
           </a:p>
         </p:txBody>
       </p:sp>
@@ -28417,7 +28458,7 @@
           <p:cNvPr id="1026" name="Picture 2">
             <a:extLst>
               <a:ext uri="{FF2B5EF4-FFF2-40B4-BE49-F238E27FC236}">
-                <a16:creationId xmlns:a16="http://schemas.microsoft.com/office/drawing/2014/main" id="{1BF85485-D789-8B00-9007-355525183EC1}"/>
+                <a16:creationId xmlns:a16="http://schemas.microsoft.com/office/drawing/2014/main" xmlns="" id="{1BF85485-D789-8B00-9007-355525183EC1}"/>
               </a:ext>
             </a:extLst>
           </p:cNvPr>
@@ -28459,53 +28500,12 @@
           </a:extLst>
         </p:spPr>
       </p:pic>
-      <p:sp>
-        <p:nvSpPr>
-          <p:cNvPr id="6" name="Подзаголовок 5">
-            <a:extLst>
-              <a:ext uri="{FF2B5EF4-FFF2-40B4-BE49-F238E27FC236}">
-                <a16:creationId xmlns:a16="http://schemas.microsoft.com/office/drawing/2014/main" id="{D420D174-765F-D3E5-6AE4-DA948FEBD70B}"/>
-              </a:ext>
-            </a:extLst>
-          </p:cNvPr>
-          <p:cNvSpPr>
-            <a:spLocks noGrp="1"/>
-          </p:cNvSpPr>
-          <p:nvPr>
-            <p:ph type="subTitle" idx="1"/>
-          </p:nvPr>
-        </p:nvSpPr>
-        <p:spPr>
-          <a:xfrm>
-            <a:off x="1759237" y="2054712"/>
-            <a:ext cx="8673427" cy="3174142"/>
-          </a:xfrm>
-        </p:spPr>
-        <p:txBody>
-          <a:bodyPr/>
-          <a:lstStyle/>
-          <a:p>
-            <a:r>
-              <a:rPr lang="ru-AU" dirty="0"/>
-              <a:t>3</a:t>
-            </a:r>
-            <a:r>
-              <a:rPr lang="en-US" dirty="0"/>
-              <a:t>D </a:t>
-            </a:r>
-            <a:r>
-              <a:rPr lang="ru-AU" dirty="0"/>
-              <a:t>Модели - </a:t>
-            </a:r>
-          </a:p>
-        </p:txBody>
-      </p:sp>
       <p:pic>
         <p:nvPicPr>
           <p:cNvPr id="1028" name="Picture 4">
             <a:extLst>
               <a:ext uri="{FF2B5EF4-FFF2-40B4-BE49-F238E27FC236}">
-                <a16:creationId xmlns:a16="http://schemas.microsoft.com/office/drawing/2014/main" id="{484DC4EA-A31A-84B6-7FF0-4013E7F41DE5}"/>
+                <a16:creationId xmlns:a16="http://schemas.microsoft.com/office/drawing/2014/main" xmlns="" id="{484DC4EA-A31A-84B6-7FF0-4013E7F41DE5}"/>
               </a:ext>
             </a:extLst>
           </p:cNvPr>
@@ -28552,7 +28552,7 @@
           <p:cNvPr id="1030" name="Picture 6">
             <a:extLst>
               <a:ext uri="{FF2B5EF4-FFF2-40B4-BE49-F238E27FC236}">
-                <a16:creationId xmlns:a16="http://schemas.microsoft.com/office/drawing/2014/main" id="{4398A73C-0A41-4428-BC79-3213805BE801}"/>
+                <a16:creationId xmlns:a16="http://schemas.microsoft.com/office/drawing/2014/main" xmlns="" id="{4398A73C-0A41-4428-BC79-3213805BE801}"/>
               </a:ext>
             </a:extLst>
           </p:cNvPr>
@@ -28599,7 +28599,7 @@
           <p:cNvPr id="1032" name="Picture 8">
             <a:extLst>
               <a:ext uri="{FF2B5EF4-FFF2-40B4-BE49-F238E27FC236}">
-                <a16:creationId xmlns:a16="http://schemas.microsoft.com/office/drawing/2014/main" id="{15FE7C1A-E252-75F4-C157-7136D1111DDF}"/>
+                <a16:creationId xmlns:a16="http://schemas.microsoft.com/office/drawing/2014/main" xmlns="" id="{15FE7C1A-E252-75F4-C157-7136D1111DDF}"/>
               </a:ext>
             </a:extLst>
           </p:cNvPr>
@@ -28646,7 +28646,7 @@
           <p:cNvPr id="1034" name="Picture 10">
             <a:extLst>
               <a:ext uri="{FF2B5EF4-FFF2-40B4-BE49-F238E27FC236}">
-                <a16:creationId xmlns:a16="http://schemas.microsoft.com/office/drawing/2014/main" id="{2D4F49A8-E1A0-2D02-7346-B0B833A81F57}"/>
+                <a16:creationId xmlns:a16="http://schemas.microsoft.com/office/drawing/2014/main" xmlns="" id="{2D4F49A8-E1A0-2D02-7346-B0B833A81F57}"/>
               </a:ext>
             </a:extLst>
           </p:cNvPr>
@@ -28693,7 +28693,7 @@
           <p:cNvPr id="1036" name="Picture 12">
             <a:extLst>
               <a:ext uri="{FF2B5EF4-FFF2-40B4-BE49-F238E27FC236}">
-                <a16:creationId xmlns:a16="http://schemas.microsoft.com/office/drawing/2014/main" id="{91F8A621-10DD-4BB3-2E04-F7B706BDA752}"/>
+                <a16:creationId xmlns:a16="http://schemas.microsoft.com/office/drawing/2014/main" xmlns="" id="{91F8A621-10DD-4BB3-2E04-F7B706BDA752}"/>
               </a:ext>
             </a:extLst>
           </p:cNvPr>
@@ -28740,7 +28740,7 @@
           <p:cNvPr id="7" name="TextBox 6">
             <a:extLst>
               <a:ext uri="{FF2B5EF4-FFF2-40B4-BE49-F238E27FC236}">
-                <a16:creationId xmlns:a16="http://schemas.microsoft.com/office/drawing/2014/main" id="{58C51089-7A30-57B4-46A5-886AF900A0AF}"/>
+                <a16:creationId xmlns:a16="http://schemas.microsoft.com/office/drawing/2014/main" xmlns="" id="{58C51089-7A30-57B4-46A5-886AF900A0AF}"/>
               </a:ext>
             </a:extLst>
           </p:cNvPr>
@@ -28749,7 +28749,7 @@
         </p:nvSpPr>
         <p:spPr>
           <a:xfrm>
-            <a:off x="4158753" y="4195181"/>
+            <a:off x="5045290" y="4261509"/>
             <a:ext cx="1540806" cy="307777"/>
           </a:xfrm>
           <a:prstGeom prst="rect">
@@ -28764,7 +28764,7 @@
           <a:lstStyle/>
           <a:p>
             <a:r>
-              <a:rPr lang="ru-AU" dirty="0">
+              <a:rPr lang="x-none" dirty="0">
                 <a:solidFill>
                   <a:schemeClr val="bg1"/>
                 </a:solidFill>
@@ -28776,15 +28776,9 @@
       </p:sp>
       <p:pic>
         <p:nvPicPr>
-          <p:cNvPr id="1038" name="Picture 14">
-            <a:extLst>
-              <a:ext uri="{FF2B5EF4-FFF2-40B4-BE49-F238E27FC236}">
-                <a16:creationId xmlns:a16="http://schemas.microsoft.com/office/drawing/2014/main" id="{660D0B98-933B-F643-B6AE-F9312FD13FDF}"/>
-              </a:ext>
-            </a:extLst>
-          </p:cNvPr>
+          <p:cNvPr id="3" name="Рисунок 2"/>
           <p:cNvPicPr>
-            <a:picLocks noChangeAspect="1" noChangeArrowheads="1"/>
+            <a:picLocks noChangeAspect="1"/>
           </p:cNvPicPr>
           <p:nvPr/>
         </p:nvPicPr>
@@ -28796,29 +28790,18 @@
               </a:ext>
             </a:extLst>
           </a:blip>
-          <a:srcRect/>
           <a:stretch>
             <a:fillRect/>
           </a:stretch>
         </p:blipFill>
-        <p:spPr bwMode="auto">
+        <p:spPr>
           <a:xfrm>
-            <a:off x="5720014" y="3777063"/>
-            <a:ext cx="3921792" cy="1451791"/>
+            <a:off x="6586096" y="3750014"/>
+            <a:ext cx="3011775" cy="1505888"/>
           </a:xfrm>
           <a:prstGeom prst="rect">
             <a:avLst/>
           </a:prstGeom>
-          <a:noFill/>
-          <a:extLst>
-            <a:ext uri="{909E8E84-426E-40DD-AFC4-6F175D3DCCD1}">
-              <a14:hiddenFill xmlns:a14="http://schemas.microsoft.com/office/drawing/2010/main">
-                <a:solidFill>
-                  <a:srgbClr val="FFFFFF"/>
-                </a:solidFill>
-              </a14:hiddenFill>
-            </a:ext>
-          </a:extLst>
         </p:spPr>
       </p:pic>
     </p:spTree>
@@ -28856,7 +28839,7 @@
           <p:cNvPr id="2" name="Заголовок 1">
             <a:extLst>
               <a:ext uri="{FF2B5EF4-FFF2-40B4-BE49-F238E27FC236}">
-                <a16:creationId xmlns:a16="http://schemas.microsoft.com/office/drawing/2014/main" id="{11F12D12-8689-0122-EA4B-F5BB02E2FE6E}"/>
+                <a16:creationId xmlns:a16="http://schemas.microsoft.com/office/drawing/2014/main" xmlns="" id="{11F12D12-8689-0122-EA4B-F5BB02E2FE6E}"/>
               </a:ext>
             </a:extLst>
           </p:cNvPr>
@@ -28891,12 +28874,258 @@
           </a:p>
         </p:txBody>
       </p:sp>
+      <p:sp>
+        <p:nvSpPr>
+          <p:cNvPr id="5" name="Rectangle 1">
+            <a:extLst>
+              <a:ext uri="{FF2B5EF4-FFF2-40B4-BE49-F238E27FC236}">
+                <a16:creationId xmlns:a16="http://schemas.microsoft.com/office/drawing/2014/main" xmlns="" id="{7966C24A-8729-94A6-EA0C-41F91B1A48B8}"/>
+              </a:ext>
+            </a:extLst>
+          </p:cNvPr>
+          <p:cNvSpPr>
+            <a:spLocks noGrp="1" noChangeArrowheads="1"/>
+          </p:cNvSpPr>
+          <p:nvPr>
+            <p:ph type="subTitle" idx="1"/>
+          </p:nvPr>
+        </p:nvSpPr>
+        <p:spPr bwMode="auto">
+          <a:xfrm>
+            <a:off x="1837750" y="2226927"/>
+            <a:ext cx="4876656" cy="307777"/>
+          </a:xfrm>
+          <a:prstGeom prst="rect">
+            <a:avLst/>
+          </a:prstGeom>
+          <a:noFill/>
+          <a:ln>
+            <a:noFill/>
+          </a:ln>
+          <a:effectLst/>
+          <a:extLst>
+            <a:ext uri="{909E8E84-426E-40DD-AFC4-6F175D3DCCD1}">
+              <a14:hiddenFill xmlns:a14="http://schemas.microsoft.com/office/drawing/2010/main">
+                <a:solidFill>
+                  <a:schemeClr val="accent1"/>
+                </a:solidFill>
+              </a14:hiddenFill>
+            </a:ext>
+            <a:ext uri="{91240B29-F687-4F45-9708-019B960494DF}">
+              <a14:hiddenLine xmlns:a14="http://schemas.microsoft.com/office/drawing/2010/main" w="9525">
+                <a:solidFill>
+                  <a:schemeClr val="tx1"/>
+                </a:solidFill>
+                <a:miter lim="800000"/>
+                <a:headEnd/>
+                <a:tailEnd/>
+              </a14:hiddenLine>
+            </a:ext>
+            <a:ext uri="{AF507438-7753-43E0-B8FC-AC1667EBCBE1}">
+              <a14:hiddenEffects xmlns:a14="http://schemas.microsoft.com/office/drawing/2010/main">
+                <a:effectLst>
+                  <a:outerShdw dist="35921" dir="2700000" algn="ctr" rotWithShape="0">
+                    <a:schemeClr val="bg2"/>
+                  </a:outerShdw>
+                </a:effectLst>
+              </a14:hiddenEffects>
+            </a:ext>
+          </a:extLst>
+        </p:spPr>
+        <p:txBody>
+          <a:bodyPr vert="horz" wrap="none" lIns="91440" tIns="45720" rIns="91440" bIns="45720" numCol="1" anchor="ctr" anchorCtr="0" compatLnSpc="1">
+            <a:prstTxWarp prst="textNoShape">
+              <a:avLst/>
+            </a:prstTxWarp>
+            <a:spAutoFit/>
+          </a:bodyPr>
+          <a:lstStyle/>
+          <a:p>
+            <a:pPr marL="0" marR="0" lvl="0" indent="450850" algn="just" defTabSz="914400" rtl="0" eaLnBrk="0" fontAlgn="base" latinLnBrk="0" hangingPunct="0">
+              <a:lnSpc>
+                <a:spcPct val="100000"/>
+              </a:lnSpc>
+              <a:spcBef>
+                <a:spcPct val="0"/>
+              </a:spcBef>
+              <a:spcAft>
+                <a:spcPct val="0"/>
+              </a:spcAft>
+              <a:buClrTx/>
+              <a:buSzTx/>
+              <a:buFontTx/>
+              <a:buNone/>
+              <a:tabLst/>
+            </a:pPr>
+            <a:r>
+              <a:rPr kumimoji="0" lang="uk-UA" altLang="ru-RU" sz="1400" b="0" i="0" u="none" strike="noStrike" cap="none" normalizeH="0" baseline="0" dirty="0" err="1">
+                <a:ln>
+                  <a:noFill/>
+                </a:ln>
+                <a:solidFill>
+                  <a:schemeClr val="bg1"/>
+                </a:solidFill>
+                <a:effectLst/>
+                <a:latin typeface="Times New Roman" panose="02020603050405020304" pitchFamily="18" charset="0"/>
+                <a:ea typeface="Times New Roman" panose="02020603050405020304" pitchFamily="18" charset="0"/>
+                <a:cs typeface="Times New Roman" panose="02020603050405020304" pitchFamily="18" charset="0"/>
+              </a:rPr>
+              <a:t>Таблица</a:t>
+            </a:r>
+            <a:r>
+              <a:rPr kumimoji="0" lang="uk-UA" altLang="ru-RU" sz="1400" b="0" i="0" u="none" strike="noStrike" cap="none" normalizeH="0" baseline="0" dirty="0">
+                <a:ln>
+                  <a:noFill/>
+                </a:ln>
+                <a:solidFill>
+                  <a:schemeClr val="bg1"/>
+                </a:solidFill>
+                <a:effectLst/>
+                <a:latin typeface="Times New Roman" panose="02020603050405020304" pitchFamily="18" charset="0"/>
+                <a:ea typeface="Times New Roman" panose="02020603050405020304" pitchFamily="18" charset="0"/>
+                <a:cs typeface="Times New Roman" panose="02020603050405020304" pitchFamily="18" charset="0"/>
+              </a:rPr>
+              <a:t> 1. </a:t>
+            </a:r>
+            <a:r>
+              <a:rPr kumimoji="0" lang="uk-UA" altLang="ru-RU" sz="1400" b="0" i="0" u="none" strike="noStrike" cap="none" normalizeH="0" baseline="0" dirty="0" err="1">
+                <a:ln>
+                  <a:noFill/>
+                </a:ln>
+                <a:solidFill>
+                  <a:schemeClr val="bg1"/>
+                </a:solidFill>
+                <a:effectLst/>
+                <a:latin typeface="Times New Roman" panose="02020603050405020304" pitchFamily="18" charset="0"/>
+                <a:ea typeface="Times New Roman" panose="02020603050405020304" pitchFamily="18" charset="0"/>
+                <a:cs typeface="Times New Roman" panose="02020603050405020304" pitchFamily="18" charset="0"/>
+              </a:rPr>
+              <a:t>Расходы</a:t>
+            </a:r>
+            <a:r>
+              <a:rPr kumimoji="0" lang="uk-UA" altLang="ru-RU" sz="1400" b="0" i="0" u="none" strike="noStrike" cap="none" normalizeH="0" baseline="0" dirty="0">
+                <a:ln>
+                  <a:noFill/>
+                </a:ln>
+                <a:solidFill>
+                  <a:schemeClr val="bg1"/>
+                </a:solidFill>
+                <a:effectLst/>
+                <a:latin typeface="Times New Roman" panose="02020603050405020304" pitchFamily="18" charset="0"/>
+                <a:ea typeface="Times New Roman" panose="02020603050405020304" pitchFamily="18" charset="0"/>
+                <a:cs typeface="Times New Roman" panose="02020603050405020304" pitchFamily="18" charset="0"/>
+              </a:rPr>
+              <a:t> на </a:t>
+            </a:r>
+            <a:r>
+              <a:rPr kumimoji="0" lang="uk-UA" altLang="ru-RU" sz="1400" b="0" i="0" u="none" strike="noStrike" cap="none" normalizeH="0" baseline="0" dirty="0" err="1">
+                <a:ln>
+                  <a:noFill/>
+                </a:ln>
+                <a:solidFill>
+                  <a:schemeClr val="bg1"/>
+                </a:solidFill>
+                <a:effectLst/>
+                <a:latin typeface="Times New Roman" panose="02020603050405020304" pitchFamily="18" charset="0"/>
+                <a:ea typeface="Times New Roman" panose="02020603050405020304" pitchFamily="18" charset="0"/>
+                <a:cs typeface="Times New Roman" panose="02020603050405020304" pitchFamily="18" charset="0"/>
+              </a:rPr>
+              <a:t>размещение</a:t>
+            </a:r>
+            <a:r>
+              <a:rPr kumimoji="0" lang="uk-UA" altLang="ru-RU" sz="1400" b="0" i="0" u="none" strike="noStrike" cap="none" normalizeH="0" baseline="0" dirty="0">
+                <a:ln>
+                  <a:noFill/>
+                </a:ln>
+                <a:solidFill>
+                  <a:schemeClr val="bg1"/>
+                </a:solidFill>
+                <a:effectLst/>
+                <a:latin typeface="Times New Roman" panose="02020603050405020304" pitchFamily="18" charset="0"/>
+                <a:ea typeface="Times New Roman" panose="02020603050405020304" pitchFamily="18" charset="0"/>
+                <a:cs typeface="Times New Roman" panose="02020603050405020304" pitchFamily="18" charset="0"/>
+              </a:rPr>
+              <a:t> </a:t>
+            </a:r>
+            <a:r>
+              <a:rPr kumimoji="0" lang="uk-UA" altLang="ru-RU" sz="1400" b="0" i="0" u="none" strike="noStrike" cap="none" normalizeH="0" baseline="0" dirty="0" err="1">
+                <a:ln>
+                  <a:noFill/>
+                </a:ln>
+                <a:solidFill>
+                  <a:schemeClr val="bg1"/>
+                </a:solidFill>
+                <a:effectLst/>
+                <a:latin typeface="Times New Roman" panose="02020603050405020304" pitchFamily="18" charset="0"/>
+                <a:ea typeface="Times New Roman" panose="02020603050405020304" pitchFamily="18" charset="0"/>
+                <a:cs typeface="Times New Roman" panose="02020603050405020304" pitchFamily="18" charset="0"/>
+              </a:rPr>
+              <a:t>сайта</a:t>
+            </a:r>
+            <a:r>
+              <a:rPr kumimoji="0" lang="uk-UA" altLang="ru-RU" sz="1400" b="0" i="0" u="none" strike="noStrike" cap="none" normalizeH="0" baseline="0" dirty="0">
+                <a:ln>
+                  <a:noFill/>
+                </a:ln>
+                <a:solidFill>
+                  <a:schemeClr val="bg1"/>
+                </a:solidFill>
+                <a:effectLst/>
+                <a:latin typeface="Times New Roman" panose="02020603050405020304" pitchFamily="18" charset="0"/>
+                <a:ea typeface="Times New Roman" panose="02020603050405020304" pitchFamily="18" charset="0"/>
+                <a:cs typeface="Times New Roman" panose="02020603050405020304" pitchFamily="18" charset="0"/>
+              </a:rPr>
+              <a:t> «</a:t>
+            </a:r>
+            <a:r>
+              <a:rPr kumimoji="0" lang="ru-RU" altLang="ru-RU" sz="1400" b="0" i="0" u="none" strike="noStrike" cap="none" normalizeH="0" baseline="0" dirty="0">
+                <a:ln>
+                  <a:noFill/>
+                </a:ln>
+                <a:solidFill>
+                  <a:schemeClr val="bg1"/>
+                </a:solidFill>
+                <a:effectLst/>
+                <a:latin typeface="Times New Roman" panose="02020603050405020304" pitchFamily="18" charset="0"/>
+                <a:ea typeface="Times New Roman" panose="02020603050405020304" pitchFamily="18" charset="0"/>
+                <a:cs typeface="Times New Roman" panose="02020603050405020304" pitchFamily="18" charset="0"/>
+              </a:rPr>
+              <a:t>Наш музей</a:t>
+            </a:r>
+            <a:r>
+              <a:rPr kumimoji="0" lang="uk-UA" altLang="ru-RU" sz="1400" b="0" i="0" u="none" strike="noStrike" cap="none" normalizeH="0" baseline="0" dirty="0">
+                <a:ln>
+                  <a:noFill/>
+                </a:ln>
+                <a:solidFill>
+                  <a:schemeClr val="bg1"/>
+                </a:solidFill>
+                <a:effectLst/>
+                <a:latin typeface="Times New Roman" panose="02020603050405020304" pitchFamily="18" charset="0"/>
+                <a:ea typeface="Times New Roman" panose="02020603050405020304" pitchFamily="18" charset="0"/>
+                <a:cs typeface="Times New Roman" panose="02020603050405020304" pitchFamily="18" charset="0"/>
+              </a:rPr>
+              <a:t>»</a:t>
+            </a:r>
+            <a:endParaRPr kumimoji="0" lang="uk-UA" altLang="ru-RU" sz="1800" b="0" i="0" u="none" strike="noStrike" cap="none" normalizeH="0" baseline="0" dirty="0">
+              <a:ln>
+                <a:noFill/>
+              </a:ln>
+              <a:solidFill>
+                <a:schemeClr val="bg1"/>
+              </a:solidFill>
+              <a:effectLst/>
+              <a:latin typeface="Arial" panose="020B0604020202020204" pitchFamily="34" charset="0"/>
+            </a:endParaRPr>
+          </a:p>
+        </p:txBody>
+      </p:sp>
       <p:graphicFrame>
         <p:nvGraphicFramePr>
           <p:cNvPr id="4" name="Таблица 3">
             <a:extLst>
               <a:ext uri="{FF2B5EF4-FFF2-40B4-BE49-F238E27FC236}">
-                <a16:creationId xmlns:a16="http://schemas.microsoft.com/office/drawing/2014/main" id="{D3365FA9-3055-7634-84B5-2835E1CB1B9A}"/>
+                <a16:creationId xmlns:a16="http://schemas.microsoft.com/office/drawing/2014/main" xmlns="" id="{D3365FA9-3055-7634-84B5-2835E1CB1B9A}"/>
               </a:ext>
             </a:extLst>
           </p:cNvPr>
@@ -28906,14 +29135,14 @@
           <p:nvPr>
             <p:extLst>
               <p:ext uri="{D42A27DB-BD31-4B8C-83A1-F6EECF244321}">
-                <p14:modId xmlns:p14="http://schemas.microsoft.com/office/powerpoint/2010/main" val="4213833074"/>
+                <p14:modId xmlns:p14="http://schemas.microsoft.com/office/powerpoint/2010/main" val="214077336"/>
               </p:ext>
             </p:extLst>
           </p:nvPr>
         </p:nvGraphicFramePr>
         <p:xfrm>
-          <a:off x="2088717" y="2534704"/>
-          <a:ext cx="5705878" cy="2737382"/>
+          <a:off x="2088715" y="2534704"/>
+          <a:ext cx="6106378" cy="2675651"/>
         </p:xfrm>
         <a:graphic>
           <a:graphicData uri="http://schemas.openxmlformats.org/drawingml/2006/table">
@@ -28922,36 +29151,36 @@
                 <a:tableStyleId>{7A6AE29E-C366-4C6E-8353-0EDDEF62F4AD}</a:tableStyleId>
               </a:tblPr>
               <a:tblGrid>
-                <a:gridCol w="1709639">
+                <a:gridCol w="1829640">
                   <a:extLst>
                     <a:ext uri="{9D8B030D-6E8A-4147-A177-3AD203B41FA5}">
-                      <a16:colId xmlns:a16="http://schemas.microsoft.com/office/drawing/2014/main" val="969158546"/>
+                      <a16:colId xmlns:a16="http://schemas.microsoft.com/office/drawing/2014/main" xmlns="" val="969158546"/>
                     </a:ext>
                   </a:extLst>
                 </a:gridCol>
-                <a:gridCol w="1295723">
+                <a:gridCol w="1386671">
                   <a:extLst>
                     <a:ext uri="{9D8B030D-6E8A-4147-A177-3AD203B41FA5}">
-                      <a16:colId xmlns:a16="http://schemas.microsoft.com/office/drawing/2014/main" val="1564254583"/>
+                      <a16:colId xmlns:a16="http://schemas.microsoft.com/office/drawing/2014/main" xmlns="" val="1564254583"/>
                     </a:ext>
                   </a:extLst>
                 </a:gridCol>
-                <a:gridCol w="1270458">
+                <a:gridCol w="1359632">
                   <a:extLst>
                     <a:ext uri="{9D8B030D-6E8A-4147-A177-3AD203B41FA5}">
-                      <a16:colId xmlns:a16="http://schemas.microsoft.com/office/drawing/2014/main" val="3753842845"/>
+                      <a16:colId xmlns:a16="http://schemas.microsoft.com/office/drawing/2014/main" xmlns="" val="3753842845"/>
                     </a:ext>
                   </a:extLst>
                 </a:gridCol>
-                <a:gridCol w="1430058">
+                <a:gridCol w="1530435">
                   <a:extLst>
                     <a:ext uri="{9D8B030D-6E8A-4147-A177-3AD203B41FA5}">
-                      <a16:colId xmlns:a16="http://schemas.microsoft.com/office/drawing/2014/main" val="209240464"/>
+                      <a16:colId xmlns:a16="http://schemas.microsoft.com/office/drawing/2014/main" xmlns="" val="209240464"/>
                     </a:ext>
                   </a:extLst>
                 </a:gridCol>
               </a:tblGrid>
-              <a:tr h="522179">
+              <a:tr h="748940">
                 <a:tc>
                   <a:txBody>
                     <a:bodyPr/>
@@ -28963,7 +29192,7 @@
                         </a:lnSpc>
                       </a:pPr>
                       <a:r>
-                        <a:rPr lang="uk-UA" sz="1300" dirty="0" err="1">
+                        <a:rPr lang="uk-UA" sz="1300" dirty="0" err="1" smtClean="0">
                           <a:solidFill>
                             <a:schemeClr val="bg1"/>
                           </a:solidFill>
@@ -29025,7 +29254,16 @@
                         </a:lnSpc>
                       </a:pPr>
                       <a:r>
-                        <a:rPr lang="uk-UA" sz="1300" dirty="0" err="1">
+                        <a:rPr lang="en-US" sz="1300" dirty="0" smtClean="0">
+                          <a:solidFill>
+                            <a:schemeClr val="bg1"/>
+                          </a:solidFill>
+                          <a:effectLst/>
+                        </a:rPr>
+                        <a:t>                                                                                  </a:t>
+                      </a:r>
+                      <a:r>
+                        <a:rPr lang="uk-UA" sz="1300" dirty="0" err="1" smtClean="0">
                           <a:solidFill>
                             <a:schemeClr val="bg1"/>
                           </a:solidFill>
@@ -29034,13 +29272,22 @@
                         <a:t>Стоимость</a:t>
                       </a:r>
                       <a:r>
+                        <a:rPr lang="uk-UA" sz="1300" dirty="0" smtClean="0">
+                          <a:solidFill>
+                            <a:schemeClr val="bg1"/>
+                          </a:solidFill>
+                          <a:effectLst/>
+                        </a:rPr>
+                        <a:t> </a:t>
+                      </a:r>
+                      <a:r>
                         <a:rPr lang="uk-UA" sz="1300" dirty="0">
                           <a:solidFill>
                             <a:schemeClr val="bg1"/>
                           </a:solidFill>
                           <a:effectLst/>
                         </a:rPr>
-                        <a:t> в год</a:t>
+                        <a:t>в год</a:t>
                       </a:r>
                       <a:endParaRPr lang="ru-RU" sz="1100" dirty="0">
                         <a:solidFill>
@@ -29087,11 +29334,11 @@
                 </a:tc>
                 <a:extLst>
                   <a:ext uri="{0D108BD9-81ED-4DB2-BD59-A6C34878D82A}">
-                    <a16:rowId xmlns:a16="http://schemas.microsoft.com/office/drawing/2014/main" val="4251980375"/>
+                    <a16:rowId xmlns:a16="http://schemas.microsoft.com/office/drawing/2014/main" xmlns="" val="4251980375"/>
                   </a:ext>
                 </a:extLst>
               </a:tr>
-              <a:tr h="522179">
+              <a:tr h="488845">
                 <a:tc>
                   <a:txBody>
                     <a:bodyPr/>
@@ -29227,11 +29474,11 @@
                 </a:tc>
                 <a:extLst>
                   <a:ext uri="{0D108BD9-81ED-4DB2-BD59-A6C34878D82A}">
-                    <a16:rowId xmlns:a16="http://schemas.microsoft.com/office/drawing/2014/main" val="157052027"/>
+                    <a16:rowId xmlns:a16="http://schemas.microsoft.com/office/drawing/2014/main" xmlns="" val="157052027"/>
                   </a:ext>
                 </a:extLst>
               </a:tr>
-              <a:tr h="522357">
+              <a:tr h="489012">
                 <a:tc>
                   <a:txBody>
                     <a:bodyPr/>
@@ -29394,11 +29641,11 @@
                 </a:tc>
                 <a:extLst>
                   <a:ext uri="{0D108BD9-81ED-4DB2-BD59-A6C34878D82A}">
-                    <a16:rowId xmlns:a16="http://schemas.microsoft.com/office/drawing/2014/main" val="2062498993"/>
+                    <a16:rowId xmlns:a16="http://schemas.microsoft.com/office/drawing/2014/main" xmlns="" val="2062498993"/>
                   </a:ext>
                 </a:extLst>
               </a:tr>
-              <a:tr h="800187">
+              <a:tr h="607959">
                 <a:tc>
                   <a:txBody>
                     <a:bodyPr/>
@@ -29427,7 +29674,7 @@
                           <a:hlinkClick r:id="rId2">
                             <a:extLst>
                               <a:ext uri="{A12FA001-AC4F-418D-AE19-62706E023703}">
-                                <ahyp:hlinkClr xmlns:ahyp="http://schemas.microsoft.com/office/drawing/2018/hyperlinkcolor" val="tx"/>
+                                <ahyp:hlinkClr xmlns:ahyp="http://schemas.microsoft.com/office/drawing/2018/hyperlinkcolor" xmlns="" val="tx"/>
                               </a:ext>
                             </a:extLst>
                           </a:hlinkClick>
@@ -29568,11 +29815,11 @@
                 </a:tc>
                 <a:extLst>
                   <a:ext uri="{0D108BD9-81ED-4DB2-BD59-A6C34878D82A}">
-                    <a16:rowId xmlns:a16="http://schemas.microsoft.com/office/drawing/2014/main" val="3143921547"/>
+                    <a16:rowId xmlns:a16="http://schemas.microsoft.com/office/drawing/2014/main" xmlns="" val="3143921547"/>
                   </a:ext>
                 </a:extLst>
               </a:tr>
-              <a:tr h="244348">
+              <a:tr h="340895">
                 <a:tc gridSpan="3">
                   <a:txBody>
                     <a:bodyPr/>
@@ -29675,7 +29922,7 @@
                 </a:tc>
                 <a:extLst>
                   <a:ext uri="{0D108BD9-81ED-4DB2-BD59-A6C34878D82A}">
-                    <a16:rowId xmlns:a16="http://schemas.microsoft.com/office/drawing/2014/main" val="3256577717"/>
+                    <a16:rowId xmlns:a16="http://schemas.microsoft.com/office/drawing/2014/main" xmlns="" val="3256577717"/>
                   </a:ext>
                 </a:extLst>
               </a:tr>
@@ -29683,252 +29930,6 @@
           </a:graphicData>
         </a:graphic>
       </p:graphicFrame>
-      <p:sp>
-        <p:nvSpPr>
-          <p:cNvPr id="5" name="Rectangle 1">
-            <a:extLst>
-              <a:ext uri="{FF2B5EF4-FFF2-40B4-BE49-F238E27FC236}">
-                <a16:creationId xmlns:a16="http://schemas.microsoft.com/office/drawing/2014/main" id="{7966C24A-8729-94A6-EA0C-41F91B1A48B8}"/>
-              </a:ext>
-            </a:extLst>
-          </p:cNvPr>
-          <p:cNvSpPr>
-            <a:spLocks noGrp="1" noChangeArrowheads="1"/>
-          </p:cNvSpPr>
-          <p:nvPr>
-            <p:ph type="subTitle" idx="1"/>
-          </p:nvPr>
-        </p:nvSpPr>
-        <p:spPr bwMode="auto">
-          <a:xfrm>
-            <a:off x="1837750" y="2226927"/>
-            <a:ext cx="4876656" cy="307777"/>
-          </a:xfrm>
-          <a:prstGeom prst="rect">
-            <a:avLst/>
-          </a:prstGeom>
-          <a:noFill/>
-          <a:ln>
-            <a:noFill/>
-          </a:ln>
-          <a:effectLst/>
-          <a:extLst>
-            <a:ext uri="{909E8E84-426E-40DD-AFC4-6F175D3DCCD1}">
-              <a14:hiddenFill xmlns:a14="http://schemas.microsoft.com/office/drawing/2010/main">
-                <a:solidFill>
-                  <a:schemeClr val="accent1"/>
-                </a:solidFill>
-              </a14:hiddenFill>
-            </a:ext>
-            <a:ext uri="{91240B29-F687-4F45-9708-019B960494DF}">
-              <a14:hiddenLine xmlns:a14="http://schemas.microsoft.com/office/drawing/2010/main" w="9525">
-                <a:solidFill>
-                  <a:schemeClr val="tx1"/>
-                </a:solidFill>
-                <a:miter lim="800000"/>
-                <a:headEnd/>
-                <a:tailEnd/>
-              </a14:hiddenLine>
-            </a:ext>
-            <a:ext uri="{AF507438-7753-43E0-B8FC-AC1667EBCBE1}">
-              <a14:hiddenEffects xmlns:a14="http://schemas.microsoft.com/office/drawing/2010/main">
-                <a:effectLst>
-                  <a:outerShdw dist="35921" dir="2700000" algn="ctr" rotWithShape="0">
-                    <a:schemeClr val="bg2"/>
-                  </a:outerShdw>
-                </a:effectLst>
-              </a14:hiddenEffects>
-            </a:ext>
-          </a:extLst>
-        </p:spPr>
-        <p:txBody>
-          <a:bodyPr vert="horz" wrap="none" lIns="91440" tIns="45720" rIns="91440" bIns="45720" numCol="1" anchor="ctr" anchorCtr="0" compatLnSpc="1">
-            <a:prstTxWarp prst="textNoShape">
-              <a:avLst/>
-            </a:prstTxWarp>
-            <a:spAutoFit/>
-          </a:bodyPr>
-          <a:lstStyle/>
-          <a:p>
-            <a:pPr marL="0" marR="0" lvl="0" indent="450850" algn="just" defTabSz="914400" rtl="0" eaLnBrk="0" fontAlgn="base" latinLnBrk="0" hangingPunct="0">
-              <a:lnSpc>
-                <a:spcPct val="100000"/>
-              </a:lnSpc>
-              <a:spcBef>
-                <a:spcPct val="0"/>
-              </a:spcBef>
-              <a:spcAft>
-                <a:spcPct val="0"/>
-              </a:spcAft>
-              <a:buClrTx/>
-              <a:buSzTx/>
-              <a:buFontTx/>
-              <a:buNone/>
-              <a:tabLst/>
-            </a:pPr>
-            <a:r>
-              <a:rPr kumimoji="0" lang="uk-UA" altLang="ru-RU" sz="1400" b="0" i="0" u="none" strike="noStrike" cap="none" normalizeH="0" baseline="0" dirty="0" err="1">
-                <a:ln>
-                  <a:noFill/>
-                </a:ln>
-                <a:solidFill>
-                  <a:schemeClr val="bg1"/>
-                </a:solidFill>
-                <a:effectLst/>
-                <a:latin typeface="Times New Roman" panose="02020603050405020304" pitchFamily="18" charset="0"/>
-                <a:ea typeface="Times New Roman" panose="02020603050405020304" pitchFamily="18" charset="0"/>
-                <a:cs typeface="Times New Roman" panose="02020603050405020304" pitchFamily="18" charset="0"/>
-              </a:rPr>
-              <a:t>Таблица</a:t>
-            </a:r>
-            <a:r>
-              <a:rPr kumimoji="0" lang="uk-UA" altLang="ru-RU" sz="1400" b="0" i="0" u="none" strike="noStrike" cap="none" normalizeH="0" baseline="0" dirty="0">
-                <a:ln>
-                  <a:noFill/>
-                </a:ln>
-                <a:solidFill>
-                  <a:schemeClr val="bg1"/>
-                </a:solidFill>
-                <a:effectLst/>
-                <a:latin typeface="Times New Roman" panose="02020603050405020304" pitchFamily="18" charset="0"/>
-                <a:ea typeface="Times New Roman" panose="02020603050405020304" pitchFamily="18" charset="0"/>
-                <a:cs typeface="Times New Roman" panose="02020603050405020304" pitchFamily="18" charset="0"/>
-              </a:rPr>
-              <a:t> 1. </a:t>
-            </a:r>
-            <a:r>
-              <a:rPr kumimoji="0" lang="uk-UA" altLang="ru-RU" sz="1400" b="0" i="0" u="none" strike="noStrike" cap="none" normalizeH="0" baseline="0" dirty="0" err="1">
-                <a:ln>
-                  <a:noFill/>
-                </a:ln>
-                <a:solidFill>
-                  <a:schemeClr val="bg1"/>
-                </a:solidFill>
-                <a:effectLst/>
-                <a:latin typeface="Times New Roman" panose="02020603050405020304" pitchFamily="18" charset="0"/>
-                <a:ea typeface="Times New Roman" panose="02020603050405020304" pitchFamily="18" charset="0"/>
-                <a:cs typeface="Times New Roman" panose="02020603050405020304" pitchFamily="18" charset="0"/>
-              </a:rPr>
-              <a:t>Расходы</a:t>
-            </a:r>
-            <a:r>
-              <a:rPr kumimoji="0" lang="uk-UA" altLang="ru-RU" sz="1400" b="0" i="0" u="none" strike="noStrike" cap="none" normalizeH="0" baseline="0" dirty="0">
-                <a:ln>
-                  <a:noFill/>
-                </a:ln>
-                <a:solidFill>
-                  <a:schemeClr val="bg1"/>
-                </a:solidFill>
-                <a:effectLst/>
-                <a:latin typeface="Times New Roman" panose="02020603050405020304" pitchFamily="18" charset="0"/>
-                <a:ea typeface="Times New Roman" panose="02020603050405020304" pitchFamily="18" charset="0"/>
-                <a:cs typeface="Times New Roman" panose="02020603050405020304" pitchFamily="18" charset="0"/>
-              </a:rPr>
-              <a:t> на </a:t>
-            </a:r>
-            <a:r>
-              <a:rPr kumimoji="0" lang="uk-UA" altLang="ru-RU" sz="1400" b="0" i="0" u="none" strike="noStrike" cap="none" normalizeH="0" baseline="0" dirty="0" err="1">
-                <a:ln>
-                  <a:noFill/>
-                </a:ln>
-                <a:solidFill>
-                  <a:schemeClr val="bg1"/>
-                </a:solidFill>
-                <a:effectLst/>
-                <a:latin typeface="Times New Roman" panose="02020603050405020304" pitchFamily="18" charset="0"/>
-                <a:ea typeface="Times New Roman" panose="02020603050405020304" pitchFamily="18" charset="0"/>
-                <a:cs typeface="Times New Roman" panose="02020603050405020304" pitchFamily="18" charset="0"/>
-              </a:rPr>
-              <a:t>размещение</a:t>
-            </a:r>
-            <a:r>
-              <a:rPr kumimoji="0" lang="uk-UA" altLang="ru-RU" sz="1400" b="0" i="0" u="none" strike="noStrike" cap="none" normalizeH="0" baseline="0" dirty="0">
-                <a:ln>
-                  <a:noFill/>
-                </a:ln>
-                <a:solidFill>
-                  <a:schemeClr val="bg1"/>
-                </a:solidFill>
-                <a:effectLst/>
-                <a:latin typeface="Times New Roman" panose="02020603050405020304" pitchFamily="18" charset="0"/>
-                <a:ea typeface="Times New Roman" panose="02020603050405020304" pitchFamily="18" charset="0"/>
-                <a:cs typeface="Times New Roman" panose="02020603050405020304" pitchFamily="18" charset="0"/>
-              </a:rPr>
-              <a:t> </a:t>
-            </a:r>
-            <a:r>
-              <a:rPr kumimoji="0" lang="uk-UA" altLang="ru-RU" sz="1400" b="0" i="0" u="none" strike="noStrike" cap="none" normalizeH="0" baseline="0" dirty="0" err="1">
-                <a:ln>
-                  <a:noFill/>
-                </a:ln>
-                <a:solidFill>
-                  <a:schemeClr val="bg1"/>
-                </a:solidFill>
-                <a:effectLst/>
-                <a:latin typeface="Times New Roman" panose="02020603050405020304" pitchFamily="18" charset="0"/>
-                <a:ea typeface="Times New Roman" panose="02020603050405020304" pitchFamily="18" charset="0"/>
-                <a:cs typeface="Times New Roman" panose="02020603050405020304" pitchFamily="18" charset="0"/>
-              </a:rPr>
-              <a:t>сайта</a:t>
-            </a:r>
-            <a:r>
-              <a:rPr kumimoji="0" lang="uk-UA" altLang="ru-RU" sz="1400" b="0" i="0" u="none" strike="noStrike" cap="none" normalizeH="0" baseline="0" dirty="0">
-                <a:ln>
-                  <a:noFill/>
-                </a:ln>
-                <a:solidFill>
-                  <a:schemeClr val="bg1"/>
-                </a:solidFill>
-                <a:effectLst/>
-                <a:latin typeface="Times New Roman" panose="02020603050405020304" pitchFamily="18" charset="0"/>
-                <a:ea typeface="Times New Roman" panose="02020603050405020304" pitchFamily="18" charset="0"/>
-                <a:cs typeface="Times New Roman" panose="02020603050405020304" pitchFamily="18" charset="0"/>
-              </a:rPr>
-              <a:t> «</a:t>
-            </a:r>
-            <a:r>
-              <a:rPr kumimoji="0" lang="ru-RU" altLang="ru-RU" sz="1400" b="0" i="0" u="none" strike="noStrike" cap="none" normalizeH="0" baseline="0" dirty="0">
-                <a:ln>
-                  <a:noFill/>
-                </a:ln>
-                <a:solidFill>
-                  <a:schemeClr val="bg1"/>
-                </a:solidFill>
-                <a:effectLst/>
-                <a:latin typeface="Times New Roman" panose="02020603050405020304" pitchFamily="18" charset="0"/>
-                <a:ea typeface="Times New Roman" panose="02020603050405020304" pitchFamily="18" charset="0"/>
-                <a:cs typeface="Times New Roman" panose="02020603050405020304" pitchFamily="18" charset="0"/>
-              </a:rPr>
-              <a:t>Наш музей</a:t>
-            </a:r>
-            <a:r>
-              <a:rPr kumimoji="0" lang="uk-UA" altLang="ru-RU" sz="1400" b="0" i="0" u="none" strike="noStrike" cap="none" normalizeH="0" baseline="0" dirty="0">
-                <a:ln>
-                  <a:noFill/>
-                </a:ln>
-                <a:solidFill>
-                  <a:schemeClr val="bg1"/>
-                </a:solidFill>
-                <a:effectLst/>
-                <a:latin typeface="Times New Roman" panose="02020603050405020304" pitchFamily="18" charset="0"/>
-                <a:ea typeface="Times New Roman" panose="02020603050405020304" pitchFamily="18" charset="0"/>
-                <a:cs typeface="Times New Roman" panose="02020603050405020304" pitchFamily="18" charset="0"/>
-              </a:rPr>
-              <a:t>»</a:t>
-            </a:r>
-            <a:endParaRPr kumimoji="0" lang="uk-UA" altLang="ru-RU" sz="1800" b="0" i="0" u="none" strike="noStrike" cap="none" normalizeH="0" baseline="0" dirty="0">
-              <a:ln>
-                <a:noFill/>
-              </a:ln>
-              <a:solidFill>
-                <a:schemeClr val="bg1"/>
-              </a:solidFill>
-              <a:effectLst/>
-              <a:latin typeface="Arial" panose="020B0604020202020204" pitchFamily="34" charset="0"/>
-            </a:endParaRPr>
-          </a:p>
-        </p:txBody>
-      </p:sp>
     </p:spTree>
     <p:extLst>
       <p:ext uri="{BB962C8B-B14F-4D97-AF65-F5344CB8AC3E}">
@@ -29964,7 +29965,7 @@
           <p:cNvPr id="4" name="Таблица 3">
             <a:extLst>
               <a:ext uri="{FF2B5EF4-FFF2-40B4-BE49-F238E27FC236}">
-                <a16:creationId xmlns:a16="http://schemas.microsoft.com/office/drawing/2014/main" id="{F78D244F-EC00-92CD-A53D-05588E00D55B}"/>
+                <a16:creationId xmlns:a16="http://schemas.microsoft.com/office/drawing/2014/main" xmlns="" id="{F78D244F-EC00-92CD-A53D-05588E00D55B}"/>
               </a:ext>
             </a:extLst>
           </p:cNvPr>
@@ -29981,7 +29982,7 @@
         </p:nvGraphicFramePr>
         <p:xfrm>
           <a:off x="1898551" y="2441637"/>
-          <a:ext cx="5850890" cy="1164528"/>
+          <a:ext cx="5850890" cy="1280160"/>
         </p:xfrm>
         <a:graphic>
           <a:graphicData uri="http://schemas.openxmlformats.org/drawingml/2006/table">
@@ -29993,14 +29994,14 @@
                 <a:gridCol w="3157855">
                   <a:extLst>
                     <a:ext uri="{9D8B030D-6E8A-4147-A177-3AD203B41FA5}">
-                      <a16:colId xmlns:a16="http://schemas.microsoft.com/office/drawing/2014/main" val="2155260028"/>
+                      <a16:colId xmlns:a16="http://schemas.microsoft.com/office/drawing/2014/main" xmlns="" val="2155260028"/>
                     </a:ext>
                   </a:extLst>
                 </a:gridCol>
                 <a:gridCol w="2693035">
                   <a:extLst>
                     <a:ext uri="{9D8B030D-6E8A-4147-A177-3AD203B41FA5}">
-                      <a16:colId xmlns:a16="http://schemas.microsoft.com/office/drawing/2014/main" val="1076945326"/>
+                      <a16:colId xmlns:a16="http://schemas.microsoft.com/office/drawing/2014/main" xmlns="" val="1076945326"/>
                     </a:ext>
                   </a:extLst>
                 </a:gridCol>
@@ -30070,7 +30071,7 @@
                 </a:tc>
                 <a:extLst>
                   <a:ext uri="{0D108BD9-81ED-4DB2-BD59-A6C34878D82A}">
-                    <a16:rowId xmlns:a16="http://schemas.microsoft.com/office/drawing/2014/main" val="3300492297"/>
+                    <a16:rowId xmlns:a16="http://schemas.microsoft.com/office/drawing/2014/main" xmlns="" val="3300492297"/>
                   </a:ext>
                 </a:extLst>
               </a:tr>
@@ -30193,7 +30194,7 @@
                 </a:tc>
                 <a:extLst>
                   <a:ext uri="{0D108BD9-81ED-4DB2-BD59-A6C34878D82A}">
-                    <a16:rowId xmlns:a16="http://schemas.microsoft.com/office/drawing/2014/main" val="3221791191"/>
+                    <a16:rowId xmlns:a16="http://schemas.microsoft.com/office/drawing/2014/main" xmlns="" val="3221791191"/>
                   </a:ext>
                 </a:extLst>
               </a:tr>
@@ -30262,7 +30263,7 @@
                 </a:tc>
                 <a:extLst>
                   <a:ext uri="{0D108BD9-81ED-4DB2-BD59-A6C34878D82A}">
-                    <a16:rowId xmlns:a16="http://schemas.microsoft.com/office/drawing/2014/main" val="2152638699"/>
+                    <a16:rowId xmlns:a16="http://schemas.microsoft.com/office/drawing/2014/main" xmlns="" val="2152638699"/>
                   </a:ext>
                 </a:extLst>
               </a:tr>
@@ -30275,7 +30276,7 @@
           <p:cNvPr id="5" name="Rectangle 1">
             <a:extLst>
               <a:ext uri="{FF2B5EF4-FFF2-40B4-BE49-F238E27FC236}">
-                <a16:creationId xmlns:a16="http://schemas.microsoft.com/office/drawing/2014/main" id="{3D1AD7C1-2F0A-37D5-2350-986DA572971A}"/>
+                <a16:creationId xmlns:a16="http://schemas.microsoft.com/office/drawing/2014/main" xmlns="" id="{3D1AD7C1-2F0A-37D5-2350-986DA572971A}"/>
               </a:ext>
             </a:extLst>
           </p:cNvPr>
@@ -30551,7 +30552,7 @@
           <p:cNvPr id="7" name="TextBox 6">
             <a:extLst>
               <a:ext uri="{FF2B5EF4-FFF2-40B4-BE49-F238E27FC236}">
-                <a16:creationId xmlns:a16="http://schemas.microsoft.com/office/drawing/2014/main" id="{D94F48F0-BD0A-BB64-3E5A-32A08F2762F2}"/>
+                <a16:creationId xmlns:a16="http://schemas.microsoft.com/office/drawing/2014/main" xmlns="" id="{D94F48F0-BD0A-BB64-3E5A-32A08F2762F2}"/>
               </a:ext>
             </a:extLst>
           </p:cNvPr>
@@ -30638,7 +30639,7 @@
           <p:cNvPr id="2" name="Заголовок 1">
             <a:extLst>
               <a:ext uri="{FF2B5EF4-FFF2-40B4-BE49-F238E27FC236}">
-                <a16:creationId xmlns:a16="http://schemas.microsoft.com/office/drawing/2014/main" id="{95564C50-6661-53FF-A469-971800AAF77A}"/>
+                <a16:creationId xmlns:a16="http://schemas.microsoft.com/office/drawing/2014/main" xmlns="" id="{95564C50-6661-53FF-A469-971800AAF77A}"/>
               </a:ext>
             </a:extLst>
           </p:cNvPr>
@@ -30678,7 +30679,7 @@
           <p:cNvPr id="3" name="Подзаголовок 2">
             <a:extLst>
               <a:ext uri="{FF2B5EF4-FFF2-40B4-BE49-F238E27FC236}">
-                <a16:creationId xmlns:a16="http://schemas.microsoft.com/office/drawing/2014/main" id="{42BA9CC4-8D9F-E08C-7980-7DAF755B6CFE}"/>
+                <a16:creationId xmlns:a16="http://schemas.microsoft.com/office/drawing/2014/main" xmlns="" id="{42BA9CC4-8D9F-E08C-7980-7DAF755B6CFE}"/>
               </a:ext>
             </a:extLst>
           </p:cNvPr>
@@ -31102,7 +31103,7 @@
           <p:cNvPr id="2" name="Заголовок 1">
             <a:extLst>
               <a:ext uri="{FF2B5EF4-FFF2-40B4-BE49-F238E27FC236}">
-                <a16:creationId xmlns:a16="http://schemas.microsoft.com/office/drawing/2014/main" id="{5A25647D-4202-1092-F67A-5B2AEB878B0F}"/>
+                <a16:creationId xmlns:a16="http://schemas.microsoft.com/office/drawing/2014/main" xmlns="" id="{5A25647D-4202-1092-F67A-5B2AEB878B0F}"/>
               </a:ext>
             </a:extLst>
           </p:cNvPr>
@@ -31129,7 +31130,7 @@
               <a:rPr lang="ru-RU" dirty="0"/>
               <a:t>Заключение</a:t>
             </a:r>
-            <a:endParaRPr lang="ru-AU" dirty="0"/>
+            <a:endParaRPr lang="x-none" dirty="0"/>
           </a:p>
         </p:txBody>
       </p:sp>
@@ -31138,7 +31139,7 @@
           <p:cNvPr id="3" name="Подзаголовок 2">
             <a:extLst>
               <a:ext uri="{FF2B5EF4-FFF2-40B4-BE49-F238E27FC236}">
-                <a16:creationId xmlns:a16="http://schemas.microsoft.com/office/drawing/2014/main" id="{39308FAB-A863-0A8C-FB40-CB7C8F21884B}"/>
+                <a16:creationId xmlns:a16="http://schemas.microsoft.com/office/drawing/2014/main" xmlns="" id="{39308FAB-A863-0A8C-FB40-CB7C8F21884B}"/>
               </a:ext>
             </a:extLst>
           </p:cNvPr>
@@ -31187,7 +31188,7 @@
               </a:rPr>
               <a:t>-тур по музею колледжа ГАПОУ КП№11.</a:t>
             </a:r>
-            <a:endParaRPr lang="ru-AU" sz="1800" dirty="0">
+            <a:endParaRPr lang="x-none" sz="1800" dirty="0">
               <a:latin typeface="times new roman cyr"/>
               <a:ea typeface="Times New Roman" panose="02020603050405020304" pitchFamily="18" charset="0"/>
               <a:cs typeface="times new roman cyr"/>
@@ -31226,7 +31227,7 @@
               </a:rPr>
               <a:t> моделирования. На основе анализа удалось выбрать самый подходящий метод для проектирования копий реальных архитектурных сооружений и объектов</a:t>
             </a:r>
-            <a:endParaRPr lang="ru-AU" sz="1800" dirty="0">
+            <a:endParaRPr lang="x-none" sz="1800" dirty="0">
               <a:effectLst/>
               <a:latin typeface="times new roman cyr"/>
               <a:ea typeface="Times New Roman" panose="02020603050405020304" pitchFamily="18" charset="0"/>
@@ -31281,7 +31282,7 @@
               </a:rPr>
               <a:t>».</a:t>
             </a:r>
-            <a:endParaRPr lang="ru-AU" sz="1800" dirty="0">
+            <a:endParaRPr lang="x-none" sz="1800" dirty="0">
               <a:effectLst/>
               <a:latin typeface="times new roman cyr"/>
               <a:ea typeface="Times New Roman" panose="02020603050405020304" pitchFamily="18" charset="0"/>
@@ -31289,7 +31290,7 @@
             </a:endParaRPr>
           </a:p>
           <a:p>
-            <a:endParaRPr lang="ru-AU" dirty="0"/>
+            <a:endParaRPr lang="x-none" dirty="0"/>
           </a:p>
         </p:txBody>
       </p:sp>
@@ -31328,7 +31329,7 @@
           <p:cNvPr id="2" name="Заголовок 1">
             <a:extLst>
               <a:ext uri="{FF2B5EF4-FFF2-40B4-BE49-F238E27FC236}">
-                <a16:creationId xmlns:a16="http://schemas.microsoft.com/office/drawing/2014/main" id="{D5B05C68-FDB1-80DB-AE9E-1F6689AEDC27}"/>
+                <a16:creationId xmlns:a16="http://schemas.microsoft.com/office/drawing/2014/main" xmlns="" id="{D5B05C68-FDB1-80DB-AE9E-1F6689AEDC27}"/>
               </a:ext>
             </a:extLst>
           </p:cNvPr>
@@ -31352,7 +31353,7 @@
           <a:lstStyle/>
           <a:p>
             <a:r>
-              <a:rPr lang="ru-AU" dirty="0"/>
+              <a:rPr lang="x-none" dirty="0"/>
               <a:t>Введение</a:t>
             </a:r>
           </a:p>
@@ -31363,7 +31364,7 @@
           <p:cNvPr id="3" name="Подзаголовок 2">
             <a:extLst>
               <a:ext uri="{FF2B5EF4-FFF2-40B4-BE49-F238E27FC236}">
-                <a16:creationId xmlns:a16="http://schemas.microsoft.com/office/drawing/2014/main" id="{C141DB0F-FACA-B618-A3AF-8FB96ACB2C96}"/>
+                <a16:creationId xmlns:a16="http://schemas.microsoft.com/office/drawing/2014/main" xmlns="" id="{C141DB0F-FACA-B618-A3AF-8FB96ACB2C96}"/>
               </a:ext>
             </a:extLst>
           </p:cNvPr>
@@ -31396,7 +31397,7 @@
               </a:rPr>
               <a:t>Колледж ГАПОУ КП №11 – учебно-образовательное учреждение с 3 филиалами, каждый из которых включает в себе историю науки и техники. Рассмотрим музей, который находится в одном из корпусов колледжа ГАПОУ КП №11 и создадим его усовершенствованную онлайн версию.</a:t>
             </a:r>
-            <a:endParaRPr lang="ru-AU" sz="1800" dirty="0">
+            <a:endParaRPr lang="x-none" sz="1800" dirty="0">
               <a:effectLst/>
               <a:latin typeface="times new roman cyr"/>
               <a:ea typeface="Times New Roman" panose="02020603050405020304" pitchFamily="18" charset="0"/>
@@ -31423,7 +31424,7 @@
               </a:rPr>
               <a:t>Виртуальный музей — это своего рода модель существующего музея, доступ к которому может получить каждый человек из любой точки мира. Разработка виртуального музея - отличной способ для социализации и окультуривания населения не только нашей страны, но и целого мира. Благодаря внедрению интерактивных и сетевых форм стимулируется познавательная активность.</a:t>
             </a:r>
-            <a:endParaRPr lang="ru-AU" sz="1800" dirty="0">
+            <a:endParaRPr lang="x-none" sz="1800" dirty="0">
               <a:effectLst/>
               <a:latin typeface="times new roman cyr"/>
               <a:ea typeface="Times New Roman" panose="02020603050405020304" pitchFamily="18" charset="0"/>
@@ -31467,7 +31468,7 @@
           <p:cNvPr id="2" name="Заголовок 1">
             <a:extLst>
               <a:ext uri="{FF2B5EF4-FFF2-40B4-BE49-F238E27FC236}">
-                <a16:creationId xmlns:a16="http://schemas.microsoft.com/office/drawing/2014/main" id="{EA2437B6-9798-0F4A-D5AD-A0E8778F929C}"/>
+                <a16:creationId xmlns:a16="http://schemas.microsoft.com/office/drawing/2014/main" xmlns="" id="{EA2437B6-9798-0F4A-D5AD-A0E8778F929C}"/>
               </a:ext>
             </a:extLst>
           </p:cNvPr>
@@ -31491,7 +31492,7 @@
           <a:lstStyle/>
           <a:p>
             <a:r>
-              <a:rPr lang="ru-AU" dirty="0"/>
+              <a:rPr lang="x-none" dirty="0"/>
               <a:t>Актуальность</a:t>
             </a:r>
           </a:p>
@@ -31502,7 +31503,7 @@
           <p:cNvPr id="3" name="Подзаголовок 2">
             <a:extLst>
               <a:ext uri="{FF2B5EF4-FFF2-40B4-BE49-F238E27FC236}">
-                <a16:creationId xmlns:a16="http://schemas.microsoft.com/office/drawing/2014/main" id="{676D79A5-2666-406E-DA0D-716A748C64CC}"/>
+                <a16:creationId xmlns:a16="http://schemas.microsoft.com/office/drawing/2014/main" xmlns="" id="{676D79A5-2666-406E-DA0D-716A748C64CC}"/>
               </a:ext>
             </a:extLst>
           </p:cNvPr>
@@ -31551,7 +31552,51 @@
                 <a:latin typeface="Times New Roman" panose="02020603050405020304" pitchFamily="18" charset="0"/>
                 <a:ea typeface="Times New Roman" panose="02020603050405020304" pitchFamily="18" charset="0"/>
               </a:rPr>
-              <a:t>узей колледжа ГАПОУ КП №11 представляет важность для образовательного учреждения.</a:t>
+              <a:t>узей колледжа ГАПОУ КП №11 представляет важность для </a:t>
+            </a:r>
+            <a:r>
+              <a:rPr lang="uk-UA" dirty="0" err="1">
+                <a:solidFill>
+                  <a:schemeClr val="bg1"/>
+                </a:solidFill>
+                <a:effectLst/>
+                <a:latin typeface="Times New Roman" panose="02020603050405020304" pitchFamily="18" charset="0"/>
+                <a:ea typeface="Times New Roman" panose="02020603050405020304" pitchFamily="18" charset="0"/>
+              </a:rPr>
+              <a:t>образовательного</a:t>
+            </a:r>
+            <a:r>
+              <a:rPr lang="uk-UA" dirty="0">
+                <a:solidFill>
+                  <a:schemeClr val="bg1"/>
+                </a:solidFill>
+                <a:effectLst/>
+                <a:latin typeface="Times New Roman" panose="02020603050405020304" pitchFamily="18" charset="0"/>
+                <a:ea typeface="Times New Roman" panose="02020603050405020304" pitchFamily="18" charset="0"/>
+              </a:rPr>
+              <a:t> </a:t>
+            </a:r>
+            <a:r>
+              <a:rPr lang="uk-UA" dirty="0" err="1" smtClean="0">
+                <a:solidFill>
+                  <a:schemeClr val="bg1"/>
+                </a:solidFill>
+                <a:effectLst/>
+                <a:latin typeface="Times New Roman" panose="02020603050405020304" pitchFamily="18" charset="0"/>
+                <a:ea typeface="Times New Roman" panose="02020603050405020304" pitchFamily="18" charset="0"/>
+              </a:rPr>
+              <a:t>учреждения</a:t>
+            </a:r>
+            <a:r>
+              <a:rPr lang="uk-UA" dirty="0" smtClean="0">
+                <a:solidFill>
+                  <a:schemeClr val="bg1"/>
+                </a:solidFill>
+                <a:effectLst/>
+                <a:latin typeface="Times New Roman" panose="02020603050405020304" pitchFamily="18" charset="0"/>
+                <a:ea typeface="Times New Roman" panose="02020603050405020304" pitchFamily="18" charset="0"/>
+              </a:rPr>
+              <a:t>.</a:t>
             </a:r>
           </a:p>
           <a:p>
@@ -31563,15 +31608,86 @@
               <a:buChar char="o"/>
             </a:pPr>
             <a:r>
+              <a:rPr lang="uk-UA" dirty="0">
+                <a:latin typeface="Times New Roman" panose="02020603050405020304" pitchFamily="18" charset="0"/>
+                <a:ea typeface="Times New Roman" panose="02020603050405020304" pitchFamily="18" charset="0"/>
+              </a:rPr>
+              <a:t>В</a:t>
+            </a:r>
+            <a:r>
+              <a:rPr lang="uk-UA" sz="1800" dirty="0" smtClean="0">
+                <a:effectLst/>
+                <a:latin typeface="Times New Roman" panose="02020603050405020304" pitchFamily="18" charset="0"/>
+                <a:ea typeface="Times New Roman" panose="02020603050405020304" pitchFamily="18" charset="0"/>
+              </a:rPr>
+              <a:t> </a:t>
+            </a:r>
+            <a:r>
               <a:rPr lang="uk-UA" sz="1800" dirty="0">
                 <a:effectLst/>
                 <a:latin typeface="Times New Roman" panose="02020603050405020304" pitchFamily="18" charset="0"/>
                 <a:ea typeface="Times New Roman" panose="02020603050405020304" pitchFamily="18" charset="0"/>
               </a:rPr>
-              <a:t>Однако в современном мире происходит рост технологий и ускорение всех общественных, познавательных процессов, в результате чего не оцифрованная версия музея теряет свою значимость.</a:t>
+              <a:t>современном мире происходит рост технологий и ускорение </a:t>
             </a:r>
             <a:r>
-              <a:rPr lang="ru-AU" dirty="0">
+              <a:rPr lang="uk-UA" sz="1800" dirty="0" err="1">
+                <a:effectLst/>
+                <a:latin typeface="Times New Roman" panose="02020603050405020304" pitchFamily="18" charset="0"/>
+                <a:ea typeface="Times New Roman" panose="02020603050405020304" pitchFamily="18" charset="0"/>
+              </a:rPr>
+              <a:t>всех</a:t>
+            </a:r>
+            <a:r>
+              <a:rPr lang="uk-UA" sz="1800" dirty="0">
+                <a:effectLst/>
+                <a:latin typeface="Times New Roman" panose="02020603050405020304" pitchFamily="18" charset="0"/>
+                <a:ea typeface="Times New Roman" panose="02020603050405020304" pitchFamily="18" charset="0"/>
+              </a:rPr>
+              <a:t> </a:t>
+            </a:r>
+            <a:r>
+              <a:rPr lang="uk-UA" sz="1800" dirty="0" err="1" smtClean="0">
+                <a:effectLst/>
+                <a:latin typeface="Times New Roman" panose="02020603050405020304" pitchFamily="18" charset="0"/>
+                <a:ea typeface="Times New Roman" panose="02020603050405020304" pitchFamily="18" charset="0"/>
+              </a:rPr>
+              <a:t>общественных</a:t>
+            </a:r>
+            <a:r>
+              <a:rPr lang="uk-UA" sz="1800" dirty="0" smtClean="0">
+                <a:effectLst/>
+                <a:latin typeface="Times New Roman" panose="02020603050405020304" pitchFamily="18" charset="0"/>
+                <a:ea typeface="Times New Roman" panose="02020603050405020304" pitchFamily="18" charset="0"/>
+              </a:rPr>
+              <a:t>, </a:t>
+            </a:r>
+            <a:r>
+              <a:rPr lang="uk-UA" sz="1800" dirty="0" err="1" smtClean="0">
+                <a:effectLst/>
+                <a:latin typeface="Times New Roman" panose="02020603050405020304" pitchFamily="18" charset="0"/>
+                <a:ea typeface="Times New Roman" panose="02020603050405020304" pitchFamily="18" charset="0"/>
+              </a:rPr>
+              <a:t>познавательных</a:t>
+            </a:r>
+            <a:r>
+              <a:rPr lang="uk-UA" sz="1800" dirty="0" smtClean="0">
+                <a:effectLst/>
+                <a:latin typeface="Times New Roman" panose="02020603050405020304" pitchFamily="18" charset="0"/>
+                <a:ea typeface="Times New Roman" panose="02020603050405020304" pitchFamily="18" charset="0"/>
+              </a:rPr>
+              <a:t> </a:t>
+            </a:r>
+            <a:r>
+              <a:rPr lang="uk-UA" sz="1800" dirty="0">
+                <a:effectLst/>
+                <a:latin typeface="Times New Roman" panose="02020603050405020304" pitchFamily="18" charset="0"/>
+                <a:ea typeface="Times New Roman" panose="02020603050405020304" pitchFamily="18" charset="0"/>
+              </a:rPr>
+              <a:t>процессов, в результате чего не оцифрованная версия музея теряет свою значимость.</a:t>
+            </a:r>
+            <a:r>
+              <a:rPr lang="x-none" dirty="0">
                 <a:effectLst/>
               </a:rPr>
               <a:t> </a:t>
@@ -31639,7 +31755,7 @@
           <p:cNvPr id="2" name="Заголовок 1">
             <a:extLst>
               <a:ext uri="{FF2B5EF4-FFF2-40B4-BE49-F238E27FC236}">
-                <a16:creationId xmlns:a16="http://schemas.microsoft.com/office/drawing/2014/main" id="{267094FA-AE62-5D0C-18DA-8590FC6E777E}"/>
+                <a16:creationId xmlns:a16="http://schemas.microsoft.com/office/drawing/2014/main" xmlns="" id="{267094FA-AE62-5D0C-18DA-8590FC6E777E}"/>
               </a:ext>
             </a:extLst>
           </p:cNvPr>
@@ -31663,7 +31779,7 @@
           <a:lstStyle/>
           <a:p>
             <a:r>
-              <a:rPr lang="ru-AU" dirty="0"/>
+              <a:rPr lang="x-none" dirty="0"/>
               <a:t>Преимущества</a:t>
             </a:r>
           </a:p>
@@ -31674,7 +31790,7 @@
           <p:cNvPr id="3" name="Подзаголовок 2">
             <a:extLst>
               <a:ext uri="{FF2B5EF4-FFF2-40B4-BE49-F238E27FC236}">
-                <a16:creationId xmlns:a16="http://schemas.microsoft.com/office/drawing/2014/main" id="{9D339866-1B5F-9489-D721-55613665AB52}"/>
+                <a16:creationId xmlns:a16="http://schemas.microsoft.com/office/drawing/2014/main" xmlns="" id="{9D339866-1B5F-9489-D721-55613665AB52}"/>
               </a:ext>
             </a:extLst>
           </p:cNvPr>
@@ -31719,7 +31835,7 @@
               </a:rPr>
               <a:t>У виртуальных музеев имеется ряд ключевых преимуществ:</a:t>
             </a:r>
-            <a:endParaRPr lang="ru-AU" sz="1800" dirty="0">
+            <a:endParaRPr lang="x-none" sz="1800" dirty="0">
               <a:latin typeface="times new roman cyr"/>
               <a:ea typeface="Times New Roman" panose="02020603050405020304" pitchFamily="18" charset="0"/>
               <a:cs typeface="times new roman cyr"/>
@@ -31802,12 +31918,12 @@
               <a:t>Многие пользователи, посетившие виртуальный музей, заходят поделиться информацией о нем в социальных сетях.</a:t>
             </a:r>
             <a:r>
-              <a:rPr lang="ru-AU" dirty="0">
+              <a:rPr lang="x-none" dirty="0">
                 <a:effectLst/>
               </a:rPr>
               <a:t> </a:t>
             </a:r>
-            <a:endParaRPr lang="ru-AU" sz="1800" dirty="0">
+            <a:endParaRPr lang="x-none" sz="1800" dirty="0">
               <a:effectLst/>
               <a:latin typeface="times new roman cyr"/>
               <a:ea typeface="Times New Roman" panose="02020603050405020304" pitchFamily="18" charset="0"/>
@@ -31815,7 +31931,7 @@
             </a:endParaRPr>
           </a:p>
           <a:p>
-            <a:endParaRPr lang="ru-AU" dirty="0"/>
+            <a:endParaRPr lang="x-none" dirty="0"/>
           </a:p>
         </p:txBody>
       </p:sp>
@@ -31854,7 +31970,7 @@
           <p:cNvPr id="2" name="Заголовок 1">
             <a:extLst>
               <a:ext uri="{FF2B5EF4-FFF2-40B4-BE49-F238E27FC236}">
-                <a16:creationId xmlns:a16="http://schemas.microsoft.com/office/drawing/2014/main" id="{7B4205DD-391D-2A59-5F39-650387EF247B}"/>
+                <a16:creationId xmlns:a16="http://schemas.microsoft.com/office/drawing/2014/main" xmlns="" id="{7B4205DD-391D-2A59-5F39-650387EF247B}"/>
               </a:ext>
             </a:extLst>
           </p:cNvPr>
@@ -31878,7 +31994,7 @@
           <a:lstStyle/>
           <a:p>
             <a:r>
-              <a:rPr lang="ru-AU" dirty="0"/>
+              <a:rPr lang="x-none" dirty="0"/>
               <a:t>Цель</a:t>
             </a:r>
           </a:p>
@@ -31889,7 +32005,7 @@
           <p:cNvPr id="3" name="Подзаголовок 2">
             <a:extLst>
               <a:ext uri="{FF2B5EF4-FFF2-40B4-BE49-F238E27FC236}">
-                <a16:creationId xmlns:a16="http://schemas.microsoft.com/office/drawing/2014/main" id="{FEA08063-C032-53BB-BC97-3DF30BAC14D7}"/>
+                <a16:creationId xmlns:a16="http://schemas.microsoft.com/office/drawing/2014/main" xmlns="" id="{FEA08063-C032-53BB-BC97-3DF30BAC14D7}"/>
               </a:ext>
             </a:extLst>
           </p:cNvPr>
@@ -31942,7 +32058,7 @@
               <a:t>онлайн макеты музеев</a:t>
             </a:r>
             <a:r>
-              <a:rPr lang="ru-AU" dirty="0">
+              <a:rPr lang="x-none" dirty="0">
                 <a:effectLst/>
                 <a:latin typeface="times new roman cyr"/>
                 <a:ea typeface="Times New Roman" panose="02020603050405020304" pitchFamily="18" charset="0"/>
@@ -31977,7 +32093,7 @@
           </a:p>
           <a:p>
             <a:pPr marL="9525" indent="438150" algn="l"/>
-            <a:endParaRPr lang="ru-AU" dirty="0"/>
+            <a:endParaRPr lang="x-none" dirty="0"/>
           </a:p>
         </p:txBody>
       </p:sp>
@@ -32016,7 +32132,7 @@
           <p:cNvPr id="2" name="Заголовок 1">
             <a:extLst>
               <a:ext uri="{FF2B5EF4-FFF2-40B4-BE49-F238E27FC236}">
-                <a16:creationId xmlns:a16="http://schemas.microsoft.com/office/drawing/2014/main" id="{A572F2D7-99A4-E2AC-0519-A7E9535836CB}"/>
+                <a16:creationId xmlns:a16="http://schemas.microsoft.com/office/drawing/2014/main" xmlns="" id="{A572F2D7-99A4-E2AC-0519-A7E9535836CB}"/>
               </a:ext>
             </a:extLst>
           </p:cNvPr>
@@ -32040,7 +32156,7 @@
           <a:lstStyle/>
           <a:p>
             <a:r>
-              <a:rPr lang="ru-AU" dirty="0"/>
+              <a:rPr lang="x-none" dirty="0"/>
               <a:t>Задачи</a:t>
             </a:r>
           </a:p>
@@ -32051,7 +32167,7 @@
           <p:cNvPr id="3" name="Подзаголовок 2">
             <a:extLst>
               <a:ext uri="{FF2B5EF4-FFF2-40B4-BE49-F238E27FC236}">
-                <a16:creationId xmlns:a16="http://schemas.microsoft.com/office/drawing/2014/main" id="{2DF2FA7E-C5A0-3397-F5F9-799241B53694}"/>
+                <a16:creationId xmlns:a16="http://schemas.microsoft.com/office/drawing/2014/main" xmlns="" id="{2DF2FA7E-C5A0-3397-F5F9-799241B53694}"/>
               </a:ext>
             </a:extLst>
           </p:cNvPr>
@@ -32096,7 +32212,7 @@
               </a:rPr>
               <a:t>Провести теоретико-методологический анализ проблемы.</a:t>
             </a:r>
-            <a:endParaRPr lang="ru-AU" sz="1800" dirty="0">
+            <a:endParaRPr lang="x-none" sz="1800" dirty="0">
               <a:effectLst/>
               <a:latin typeface="Calibri" panose="020F0502020204030204" pitchFamily="34" charset="0"/>
               <a:ea typeface="Times New Roman" panose="02020603050405020304" pitchFamily="18" charset="0"/>
@@ -32123,7 +32239,7 @@
               </a:rPr>
               <a:t>Анализ существующих виртуальных музеев;</a:t>
             </a:r>
-            <a:endParaRPr lang="ru-AU" sz="1800" dirty="0">
+            <a:endParaRPr lang="x-none" sz="1800" dirty="0">
               <a:effectLst/>
               <a:latin typeface="times new roman cyr"/>
               <a:ea typeface="Times New Roman" panose="02020603050405020304" pitchFamily="18" charset="0"/>
@@ -32150,7 +32266,7 @@
               </a:rPr>
               <a:t>Изучить особенности создания онлайн пространств для музеев.</a:t>
             </a:r>
-            <a:endParaRPr lang="ru-AU" sz="1800" dirty="0">
+            <a:endParaRPr lang="x-none" sz="1800" dirty="0">
               <a:effectLst/>
               <a:latin typeface="Calibri" panose="020F0502020204030204" pitchFamily="34" charset="0"/>
               <a:ea typeface="Times New Roman" panose="02020603050405020304" pitchFamily="18" charset="0"/>
@@ -32204,7 +32320,7 @@
               </a:rPr>
               <a:t>Сбор цифровой и текстовой информации.</a:t>
             </a:r>
-            <a:endParaRPr lang="ru-AU" sz="1800" dirty="0">
+            <a:endParaRPr lang="x-none" sz="1800" dirty="0">
               <a:effectLst/>
               <a:latin typeface="times new roman cyr"/>
               <a:ea typeface="Times New Roman" panose="02020603050405020304" pitchFamily="18" charset="0"/>
@@ -32260,12 +32376,12 @@
               <a:t> онлайн макета музея</a:t>
             </a:r>
             <a:r>
-              <a:rPr lang="ru-AU" dirty="0">
+              <a:rPr lang="x-none" dirty="0">
                 <a:effectLst/>
               </a:rPr>
               <a:t> </a:t>
             </a:r>
-            <a:endParaRPr lang="ru-AU" dirty="0"/>
+            <a:endParaRPr lang="x-none" dirty="0"/>
           </a:p>
         </p:txBody>
       </p:sp>
@@ -32304,7 +32420,7 @@
           <p:cNvPr id="2" name="Заголовок 1">
             <a:extLst>
               <a:ext uri="{FF2B5EF4-FFF2-40B4-BE49-F238E27FC236}">
-                <a16:creationId xmlns:a16="http://schemas.microsoft.com/office/drawing/2014/main" id="{7FC10922-0BE4-6B2D-D344-723BACA2BAB0}"/>
+                <a16:creationId xmlns:a16="http://schemas.microsoft.com/office/drawing/2014/main" xmlns="" id="{7FC10922-0BE4-6B2D-D344-723BACA2BAB0}"/>
               </a:ext>
             </a:extLst>
           </p:cNvPr>
@@ -32328,7 +32444,7 @@
           <a:lstStyle/>
           <a:p>
             <a:r>
-              <a:rPr lang="ru-AU" dirty="0"/>
+              <a:rPr lang="x-none" dirty="0"/>
               <a:t> Анализ предметной области</a:t>
             </a:r>
           </a:p>
@@ -32339,7 +32455,7 @@
           <p:cNvPr id="3" name="Подзаголовок 2">
             <a:extLst>
               <a:ext uri="{FF2B5EF4-FFF2-40B4-BE49-F238E27FC236}">
-                <a16:creationId xmlns:a16="http://schemas.microsoft.com/office/drawing/2014/main" id="{040E77FD-8B3C-F07C-CFBD-B6724BF85649}"/>
+                <a16:creationId xmlns:a16="http://schemas.microsoft.com/office/drawing/2014/main" xmlns="" id="{040E77FD-8B3C-F07C-CFBD-B6724BF85649}"/>
               </a:ext>
             </a:extLst>
           </p:cNvPr>
@@ -32375,7 +32491,7 @@
               </a:rPr>
               <a:t>Ключевым понятием является онлайн пространство. Онлайн пространство (интернет пространство) - созданный с помощью технических средств мир (объекты и субъекты), который передается человеку через его органы чувств.</a:t>
             </a:r>
-            <a:endParaRPr lang="ru-AU" sz="1800" dirty="0">
+            <a:endParaRPr lang="x-none" sz="1800" dirty="0">
               <a:solidFill>
                 <a:schemeClr val="bg1"/>
               </a:solidFill>
@@ -32438,7 +32554,7 @@
               <a:t>является разделом компьютерной графики, который посвящен методам создания изображений или видео с помощью процесса моделирования объектов трехмерного пространства.</a:t>
             </a:r>
             <a:r>
-              <a:rPr lang="ru-AU" dirty="0">
+              <a:rPr lang="x-none" dirty="0">
                 <a:solidFill>
                   <a:schemeClr val="bg1"/>
                 </a:solidFill>
@@ -32495,7 +32611,7 @@
               <a:t>Главное задачей трехмерного моделирования является описание и размещение объектов, используя геометрические преобразования, которые соответствуют требованиям к будущему изображению.</a:t>
             </a:r>
             <a:r>
-              <a:rPr lang="ru-AU" dirty="0">
+              <a:rPr lang="x-none" dirty="0">
                 <a:solidFill>
                   <a:schemeClr val="bg1"/>
                 </a:solidFill>
@@ -32503,7 +32619,7 @@
               </a:rPr>
               <a:t> </a:t>
             </a:r>
-            <a:endParaRPr lang="ru-AU" sz="1800" dirty="0">
+            <a:endParaRPr lang="x-none" sz="1800" dirty="0">
               <a:solidFill>
                 <a:schemeClr val="bg1"/>
               </a:solidFill>
@@ -32514,7 +32630,7 @@
             </a:endParaRPr>
           </a:p>
           <a:p>
-            <a:endParaRPr lang="ru-AU" sz="1800" dirty="0">
+            <a:endParaRPr lang="x-none" sz="1800" dirty="0">
               <a:effectLst/>
               <a:latin typeface="times new roman cyr"/>
               <a:ea typeface="Times New Roman" panose="02020603050405020304" pitchFamily="18" charset="0"/>
@@ -32522,7 +32638,7 @@
             </a:endParaRPr>
           </a:p>
           <a:p>
-            <a:endParaRPr lang="ru-AU" dirty="0"/>
+            <a:endParaRPr lang="x-none" dirty="0"/>
           </a:p>
         </p:txBody>
       </p:sp>
@@ -32561,7 +32677,7 @@
           <p:cNvPr id="2" name="Заголовок 1">
             <a:extLst>
               <a:ext uri="{FF2B5EF4-FFF2-40B4-BE49-F238E27FC236}">
-                <a16:creationId xmlns:a16="http://schemas.microsoft.com/office/drawing/2014/main" id="{547F7003-6B7B-FF81-6CE9-DE484ED6C7AE}"/>
+                <a16:creationId xmlns:a16="http://schemas.microsoft.com/office/drawing/2014/main" xmlns="" id="{547F7003-6B7B-FF81-6CE9-DE484ED6C7AE}"/>
               </a:ext>
             </a:extLst>
           </p:cNvPr>
@@ -32594,14 +32710,14 @@
               <a:t>Описание требований к практической разработке</a:t>
             </a:r>
             <a:r>
-              <a:rPr lang="ru-AU" sz="2800" dirty="0">
+              <a:rPr lang="x-none" sz="2800" dirty="0">
                 <a:effectLst/>
                 <a:latin typeface="Calibri" panose="020F0502020204030204" pitchFamily="34" charset="0"/>
                 <a:cs typeface="Calibri" panose="020F0502020204030204" pitchFamily="34" charset="0"/>
               </a:rPr>
               <a:t> </a:t>
             </a:r>
-            <a:endParaRPr lang="ru-AU" sz="2800" dirty="0">
+            <a:endParaRPr lang="x-none" sz="2800" dirty="0">
               <a:latin typeface="Calibri" panose="020F0502020204030204" pitchFamily="34" charset="0"/>
               <a:cs typeface="Calibri" panose="020F0502020204030204" pitchFamily="34" charset="0"/>
             </a:endParaRPr>
@@ -32613,7 +32729,7 @@
           <p:cNvPr id="3" name="Подзаголовок 2">
             <a:extLst>
               <a:ext uri="{FF2B5EF4-FFF2-40B4-BE49-F238E27FC236}">
-                <a16:creationId xmlns:a16="http://schemas.microsoft.com/office/drawing/2014/main" id="{780E889B-D62A-D842-010C-90DDEC23453E}"/>
+                <a16:creationId xmlns:a16="http://schemas.microsoft.com/office/drawing/2014/main" xmlns="" id="{780E889B-D62A-D842-010C-90DDEC23453E}"/>
               </a:ext>
             </a:extLst>
           </p:cNvPr>
@@ -32721,7 +32837,7 @@
               </a:rPr>
               <a:t>Так же и к персональным компьютерам можно отнести следующие операционные системы:</a:t>
             </a:r>
-            <a:endParaRPr lang="ru-AU" sz="1800" dirty="0">
+            <a:endParaRPr lang="x-none" sz="1800" dirty="0">
               <a:effectLst/>
               <a:latin typeface="times new roman cyr"/>
               <a:ea typeface="Times New Roman" panose="02020603050405020304" pitchFamily="18" charset="0"/>
@@ -32748,7 +32864,7 @@
               </a:rPr>
               <a:t>Windows</a:t>
             </a:r>
-            <a:endParaRPr lang="ru-AU" sz="1800" dirty="0">
+            <a:endParaRPr lang="x-none" sz="1800" dirty="0">
               <a:effectLst/>
               <a:latin typeface="times new roman cyr"/>
               <a:ea typeface="Times New Roman" panose="02020603050405020304" pitchFamily="18" charset="0"/>
@@ -32775,7 +32891,7 @@
               </a:rPr>
               <a:t>Mac OS</a:t>
             </a:r>
-            <a:endParaRPr lang="ru-AU" sz="1800" dirty="0">
+            <a:endParaRPr lang="x-none" sz="1800" dirty="0">
               <a:effectLst/>
               <a:latin typeface="times new roman cyr"/>
               <a:ea typeface="Times New Roman" panose="02020603050405020304" pitchFamily="18" charset="0"/>
@@ -32802,7 +32918,7 @@
               </a:rPr>
               <a:t>Linux</a:t>
             </a:r>
-            <a:endParaRPr lang="ru-AU" sz="1800" dirty="0">
+            <a:endParaRPr lang="x-none" sz="1800" dirty="0">
               <a:effectLst/>
               <a:latin typeface="times new roman cyr"/>
               <a:ea typeface="Times New Roman" panose="02020603050405020304" pitchFamily="18" charset="0"/>
@@ -32817,7 +32933,7 @@
               <a:buFont typeface="Courier New" panose="02070309020205020404" pitchFamily="49" charset="0"/>
               <a:buChar char="o"/>
             </a:pPr>
-            <a:endParaRPr lang="ru-AU" sz="1800" dirty="0">
+            <a:endParaRPr lang="x-none" sz="1800" dirty="0">
               <a:effectLst/>
               <a:latin typeface="times new roman cyr"/>
               <a:ea typeface="Times New Roman" panose="02020603050405020304" pitchFamily="18" charset="0"/>
@@ -32825,7 +32941,7 @@
             </a:endParaRPr>
           </a:p>
           <a:p>
-            <a:endParaRPr lang="ru-AU" dirty="0"/>
+            <a:endParaRPr lang="x-none" dirty="0"/>
           </a:p>
         </p:txBody>
       </p:sp>
@@ -32864,7 +32980,7 @@
           <p:cNvPr id="2" name="Заголовок 1">
             <a:extLst>
               <a:ext uri="{FF2B5EF4-FFF2-40B4-BE49-F238E27FC236}">
-                <a16:creationId xmlns:a16="http://schemas.microsoft.com/office/drawing/2014/main" id="{0E120991-97F3-6B48-EE3E-DE8B55BA1DB6}"/>
+                <a16:creationId xmlns:a16="http://schemas.microsoft.com/office/drawing/2014/main" xmlns="" id="{0E120991-97F3-6B48-EE3E-DE8B55BA1DB6}"/>
               </a:ext>
             </a:extLst>
           </p:cNvPr>
@@ -32896,7 +33012,7 @@
               </a:rPr>
               <a:t>Обзор существующих виртуальных музеев</a:t>
             </a:r>
-            <a:endParaRPr lang="ru-AU" sz="3200" dirty="0">
+            <a:endParaRPr lang="x-none" sz="3200" dirty="0">
               <a:latin typeface="Calibri" panose="020F0502020204030204" pitchFamily="34" charset="0"/>
               <a:cs typeface="Calibri" panose="020F0502020204030204" pitchFamily="34" charset="0"/>
             </a:endParaRPr>
@@ -32908,7 +33024,7 @@
           <p:cNvPr id="3" name="Подзаголовок 2">
             <a:extLst>
               <a:ext uri="{FF2B5EF4-FFF2-40B4-BE49-F238E27FC236}">
-                <a16:creationId xmlns:a16="http://schemas.microsoft.com/office/drawing/2014/main" id="{614D9FDE-014F-B83F-7C22-C90461C3C538}"/>
+                <a16:creationId xmlns:a16="http://schemas.microsoft.com/office/drawing/2014/main" xmlns="" id="{614D9FDE-014F-B83F-7C22-C90461C3C538}"/>
               </a:ext>
             </a:extLst>
           </p:cNvPr>
@@ -32945,7 +33061,7 @@
               </a:rPr>
               <a:t>Основными разновидностями виртуальных музеев являются:</a:t>
             </a:r>
-            <a:endParaRPr lang="ru-AU" sz="1800" dirty="0">
+            <a:endParaRPr lang="x-none" sz="1800" dirty="0">
               <a:effectLst/>
               <a:latin typeface="times new roman cyr"/>
               <a:ea typeface="Times New Roman" panose="02020603050405020304" pitchFamily="18" charset="0"/>
@@ -32998,7 +33114,7 @@
               </a:rPr>
               <a:t>Фотопанорама</a:t>
             </a:r>
-            <a:endParaRPr lang="ru-AU" sz="1800" dirty="0">
+            <a:endParaRPr lang="x-none" sz="1800" dirty="0">
               <a:effectLst/>
               <a:latin typeface="times new roman cyr"/>
               <a:ea typeface="Times New Roman" panose="02020603050405020304" pitchFamily="18" charset="0"/>
@@ -33043,7 +33159,7 @@
               </a:rPr>
               <a:t> – тур</a:t>
             </a:r>
-            <a:endParaRPr lang="ru-AU" sz="1800" dirty="0">
+            <a:endParaRPr lang="x-none" sz="1800" dirty="0">
               <a:effectLst/>
               <a:latin typeface="times new roman cyr"/>
               <a:ea typeface="Times New Roman" panose="02020603050405020304" pitchFamily="18" charset="0"/>
@@ -33068,7 +33184,7 @@
               </a:rPr>
               <a:t>Виртуальный музей — это своего рода окно в мир: каждый найдет для себя музей по своей тематике, может поучаствовать в конференциях, оставить свой отзыв.</a:t>
             </a:r>
-            <a:endParaRPr lang="ru-AU" sz="1800" dirty="0">
+            <a:endParaRPr lang="x-none" sz="1800" dirty="0">
               <a:effectLst/>
               <a:latin typeface="times new roman cyr"/>
               <a:ea typeface="Times New Roman" panose="02020603050405020304" pitchFamily="18" charset="0"/>
